--- a/Docs/Semester_1.pptx
+++ b/Docs/Semester_1.pptx
@@ -112,6 +112,11 @@
       </a:defRPr>
     </a:lvl9pPr>
   </p:defaultTextStyle>
+  <p:extLst>
+    <p:ext uri="{EFAFB233-063F-42B5-8137-9DF3F51BA10A}">
+      <p15:sldGuideLst xmlns:p15="http://schemas.microsoft.com/office/powerpoint/2012/main"/>
+    </p:ext>
+  </p:extLst>
 </p:presentation>
 </file>
 
@@ -7024,7 +7029,7 @@
           <a:p>
             <a:fld id="{B2B544AF-B809-49F0-857B-1E4E8EAACC2E}" type="datetimeFigureOut">
               <a:rPr lang="en-IE" smtClean="0"/>
-              <a:t>04/01/2022</a:t>
+              <a:t>03/05/2022</a:t>
             </a:fld>
             <a:endParaRPr lang="en-IE"/>
           </a:p>
@@ -7275,7 +7280,7 @@
           <a:p>
             <a:fld id="{B2B544AF-B809-49F0-857B-1E4E8EAACC2E}" type="datetimeFigureOut">
               <a:rPr lang="en-IE" smtClean="0"/>
-              <a:t>04/01/2022</a:t>
+              <a:t>03/05/2022</a:t>
             </a:fld>
             <a:endParaRPr lang="en-IE"/>
           </a:p>
@@ -7589,7 +7594,7 @@
           <a:p>
             <a:fld id="{B2B544AF-B809-49F0-857B-1E4E8EAACC2E}" type="datetimeFigureOut">
               <a:rPr lang="en-IE" smtClean="0"/>
-              <a:t>04/01/2022</a:t>
+              <a:t>03/05/2022</a:t>
             </a:fld>
             <a:endParaRPr lang="en-IE"/>
           </a:p>
@@ -7916,7 +7921,7 @@
           <a:p>
             <a:fld id="{B2B544AF-B809-49F0-857B-1E4E8EAACC2E}" type="datetimeFigureOut">
               <a:rPr lang="en-IE" smtClean="0"/>
-              <a:t>04/01/2022</a:t>
+              <a:t>03/05/2022</a:t>
             </a:fld>
             <a:endParaRPr lang="en-IE"/>
           </a:p>
@@ -8230,7 +8235,7 @@
           <a:p>
             <a:fld id="{B2B544AF-B809-49F0-857B-1E4E8EAACC2E}" type="datetimeFigureOut">
               <a:rPr lang="en-IE" smtClean="0"/>
-              <a:t>04/01/2022</a:t>
+              <a:t>03/05/2022</a:t>
             </a:fld>
             <a:endParaRPr lang="en-IE"/>
           </a:p>
@@ -8617,7 +8622,7 @@
           <a:p>
             <a:fld id="{B2B544AF-B809-49F0-857B-1E4E8EAACC2E}" type="datetimeFigureOut">
               <a:rPr lang="en-IE" smtClean="0"/>
-              <a:t>04/01/2022</a:t>
+              <a:t>03/05/2022</a:t>
             </a:fld>
             <a:endParaRPr lang="en-IE"/>
           </a:p>
@@ -8787,7 +8792,7 @@
           <a:p>
             <a:fld id="{B2B544AF-B809-49F0-857B-1E4E8EAACC2E}" type="datetimeFigureOut">
               <a:rPr lang="en-IE" smtClean="0"/>
-              <a:t>04/01/2022</a:t>
+              <a:t>03/05/2022</a:t>
             </a:fld>
             <a:endParaRPr lang="en-IE"/>
           </a:p>
@@ -8967,7 +8972,7 @@
           <a:p>
             <a:fld id="{B2B544AF-B809-49F0-857B-1E4E8EAACC2E}" type="datetimeFigureOut">
               <a:rPr lang="en-IE" smtClean="0"/>
-              <a:t>04/01/2022</a:t>
+              <a:t>03/05/2022</a:t>
             </a:fld>
             <a:endParaRPr lang="en-IE"/>
           </a:p>
@@ -9143,7 +9148,7 @@
           <a:p>
             <a:fld id="{B2B544AF-B809-49F0-857B-1E4E8EAACC2E}" type="datetimeFigureOut">
               <a:rPr lang="en-IE" smtClean="0"/>
-              <a:t>04/01/2022</a:t>
+              <a:t>03/05/2022</a:t>
             </a:fld>
             <a:endParaRPr lang="en-IE"/>
           </a:p>
@@ -9390,7 +9395,7 @@
           <a:p>
             <a:fld id="{B2B544AF-B809-49F0-857B-1E4E8EAACC2E}" type="datetimeFigureOut">
               <a:rPr lang="en-IE" smtClean="0"/>
-              <a:t>04/01/2022</a:t>
+              <a:t>03/05/2022</a:t>
             </a:fld>
             <a:endParaRPr lang="en-IE"/>
           </a:p>
@@ -9622,7 +9627,7 @@
           <a:p>
             <a:fld id="{B2B544AF-B809-49F0-857B-1E4E8EAACC2E}" type="datetimeFigureOut">
               <a:rPr lang="en-IE" smtClean="0"/>
-              <a:t>04/01/2022</a:t>
+              <a:t>03/05/2022</a:t>
             </a:fld>
             <a:endParaRPr lang="en-IE"/>
           </a:p>
@@ -9996,7 +10001,7 @@
           <a:p>
             <a:fld id="{B2B544AF-B809-49F0-857B-1E4E8EAACC2E}" type="datetimeFigureOut">
               <a:rPr lang="en-IE" smtClean="0"/>
-              <a:t>04/01/2022</a:t>
+              <a:t>03/05/2022</a:t>
             </a:fld>
             <a:endParaRPr lang="en-IE"/>
           </a:p>
@@ -10119,7 +10124,7 @@
           <a:p>
             <a:fld id="{B2B544AF-B809-49F0-857B-1E4E8EAACC2E}" type="datetimeFigureOut">
               <a:rPr lang="en-IE" smtClean="0"/>
-              <a:t>04/01/2022</a:t>
+              <a:t>03/05/2022</a:t>
             </a:fld>
             <a:endParaRPr lang="en-IE"/>
           </a:p>
@@ -10214,7 +10219,7 @@
           <a:p>
             <a:fld id="{B2B544AF-B809-49F0-857B-1E4E8EAACC2E}" type="datetimeFigureOut">
               <a:rPr lang="en-IE" smtClean="0"/>
-              <a:t>04/01/2022</a:t>
+              <a:t>03/05/2022</a:t>
             </a:fld>
             <a:endParaRPr lang="en-IE"/>
           </a:p>
@@ -10469,7 +10474,7 @@
           <a:p>
             <a:fld id="{B2B544AF-B809-49F0-857B-1E4E8EAACC2E}" type="datetimeFigureOut">
               <a:rPr lang="en-IE" smtClean="0"/>
-              <a:t>04/01/2022</a:t>
+              <a:t>03/05/2022</a:t>
             </a:fld>
             <a:endParaRPr lang="en-IE"/>
           </a:p>
@@ -10732,7 +10737,7 @@
           <a:p>
             <a:fld id="{B2B544AF-B809-49F0-857B-1E4E8EAACC2E}" type="datetimeFigureOut">
               <a:rPr lang="en-IE" smtClean="0"/>
-              <a:t>04/01/2022</a:t>
+              <a:t>03/05/2022</a:t>
             </a:fld>
             <a:endParaRPr lang="en-IE"/>
           </a:p>
@@ -11477,7 +11482,7 @@
           <a:p>
             <a:fld id="{B2B544AF-B809-49F0-857B-1E4E8EAACC2E}" type="datetimeFigureOut">
               <a:rPr lang="en-IE" smtClean="0"/>
-              <a:t>04/01/2022</a:t>
+              <a:t>03/05/2022</a:t>
             </a:fld>
             <a:endParaRPr lang="en-IE"/>
           </a:p>
@@ -12744,10 +12749,44 @@
             <p:ph type="title"/>
           </p:nvPr>
         </p:nvSpPr>
+        <p:spPr/>
+        <p:txBody>
+          <a:bodyPr>
+            <a:normAutofit/>
+          </a:bodyPr>
+          <a:lstStyle/>
+          <a:p>
+            <a:r>
+              <a:rPr lang="en-IE" dirty="0">
+                <a:solidFill>
+                  <a:schemeClr val="tx1"/>
+                </a:solidFill>
+              </a:rPr>
+              <a:t>Overview</a:t>
+            </a:r>
+          </a:p>
+        </p:txBody>
+      </p:sp>
+      <p:sp>
+        <p:nvSpPr>
+          <p:cNvPr id="3" name="Content Placeholder 2">
+            <a:extLst>
+              <a:ext uri="{FF2B5EF4-FFF2-40B4-BE49-F238E27FC236}">
+                <a16:creationId xmlns:a16="http://schemas.microsoft.com/office/drawing/2014/main" id="{6A81A8E0-FD2B-4EFC-92A7-2E8BE11521C3}"/>
+              </a:ext>
+            </a:extLst>
+          </p:cNvPr>
+          <p:cNvSpPr>
+            <a:spLocks noGrp="1"/>
+          </p:cNvSpPr>
+          <p:nvPr>
+            <p:ph idx="1"/>
+          </p:nvPr>
+        </p:nvSpPr>
         <p:spPr>
           <a:xfrm>
-            <a:off x="677334" y="609600"/>
-            <a:ext cx="8596668" cy="1320800"/>
+            <a:off x="3621456" y="1948154"/>
+            <a:ext cx="5217539" cy="3880773"/>
           </a:xfrm>
         </p:spPr>
         <p:txBody>
@@ -12757,12 +12796,60 @@
           <a:lstStyle/>
           <a:p>
             <a:r>
-              <a:rPr lang="en-IE" dirty="0">
-                <a:solidFill>
-                  <a:schemeClr val="tx1"/>
-                </a:solidFill>
-              </a:rPr>
-              <a:t>Overview</a:t>
+              <a:rPr lang="en-IE" dirty="0"/>
+              <a:t>3</a:t>
+            </a:r>
+            <a:r>
+              <a:rPr lang="en-IE" baseline="30000" dirty="0"/>
+              <a:t>rd</a:t>
+            </a:r>
+            <a:r>
+              <a:rPr lang="en-IE" dirty="0"/>
+              <a:t> person 1 vs 1 Multiplayer Online Battle Arena (MOBA)</a:t>
+            </a:r>
+          </a:p>
+          <a:p>
+            <a:endParaRPr lang="en-IE" dirty="0"/>
+          </a:p>
+          <a:p>
+            <a:r>
+              <a:rPr lang="en-IE" dirty="0"/>
+              <a:t>MOBA : </a:t>
+            </a:r>
+          </a:p>
+          <a:p>
+            <a:pPr lvl="1"/>
+            <a:r>
+              <a:rPr lang="en-IE" dirty="0"/>
+              <a:t>Competitive </a:t>
+            </a:r>
+          </a:p>
+          <a:p>
+            <a:pPr lvl="1"/>
+            <a:r>
+              <a:rPr lang="en-IE" dirty="0"/>
+              <a:t>5 vs 5</a:t>
+            </a:r>
+          </a:p>
+          <a:p>
+            <a:pPr lvl="1"/>
+            <a:r>
+              <a:rPr lang="en-IE" dirty="0"/>
+              <a:t>Large Arena</a:t>
+            </a:r>
+          </a:p>
+          <a:p>
+            <a:pPr lvl="1"/>
+            <a:r>
+              <a:rPr lang="en-IE" dirty="0"/>
+              <a:t>Character Selection</a:t>
+            </a:r>
+          </a:p>
+          <a:p>
+            <a:pPr lvl="1"/>
+            <a:r>
+              <a:rPr lang="en-IE" dirty="0"/>
+              <a:t>Destroy enemy base</a:t>
             </a:r>
           </a:p>
         </p:txBody>
@@ -12797,93 +12884,6 @@
           </a:prstGeom>
         </p:spPr>
       </p:pic>
-      <p:sp>
-        <p:nvSpPr>
-          <p:cNvPr id="3" name="Content Placeholder 2">
-            <a:extLst>
-              <a:ext uri="{FF2B5EF4-FFF2-40B4-BE49-F238E27FC236}">
-                <a16:creationId xmlns:a16="http://schemas.microsoft.com/office/drawing/2014/main" id="{6A81A8E0-FD2B-4EFC-92A7-2E8BE11521C3}"/>
-              </a:ext>
-            </a:extLst>
-          </p:cNvPr>
-          <p:cNvSpPr>
-            <a:spLocks noGrp="1"/>
-          </p:cNvSpPr>
-          <p:nvPr>
-            <p:ph idx="1"/>
-          </p:nvPr>
-        </p:nvSpPr>
-        <p:spPr>
-          <a:xfrm>
-            <a:off x="3621456" y="1948154"/>
-            <a:ext cx="5217539" cy="3880773"/>
-          </a:xfrm>
-        </p:spPr>
-        <p:txBody>
-          <a:bodyPr>
-            <a:normAutofit/>
-          </a:bodyPr>
-          <a:lstStyle/>
-          <a:p>
-            <a:r>
-              <a:rPr lang="en-IE" dirty="0"/>
-              <a:t>3</a:t>
-            </a:r>
-            <a:r>
-              <a:rPr lang="en-IE" baseline="30000" dirty="0"/>
-              <a:t>rd</a:t>
-            </a:r>
-            <a:r>
-              <a:rPr lang="en-IE" dirty="0"/>
-              <a:t> person 1 vs 1 Multiplayer Online Battle Arena (MOBA)</a:t>
-            </a:r>
-          </a:p>
-          <a:p>
-            <a:endParaRPr lang="en-IE" dirty="0"/>
-          </a:p>
-          <a:p>
-            <a:r>
-              <a:rPr lang="en-IE" dirty="0"/>
-              <a:t>MOBA : </a:t>
-            </a:r>
-          </a:p>
-          <a:p>
-            <a:pPr lvl="1"/>
-            <a:r>
-              <a:rPr lang="en-IE" dirty="0"/>
-              <a:t>Competitive </a:t>
-            </a:r>
-          </a:p>
-          <a:p>
-            <a:pPr lvl="1"/>
-            <a:r>
-              <a:rPr lang="en-IE" dirty="0"/>
-              <a:t>5 vs 5</a:t>
-            </a:r>
-          </a:p>
-          <a:p>
-            <a:pPr lvl="1"/>
-            <a:r>
-              <a:rPr lang="en-IE" dirty="0"/>
-              <a:t>Large Arena</a:t>
-            </a:r>
-          </a:p>
-          <a:p>
-            <a:pPr lvl="1"/>
-            <a:r>
-              <a:rPr lang="en-IE" dirty="0"/>
-              <a:t>Character Selection</a:t>
-            </a:r>
-          </a:p>
-          <a:p>
-            <a:pPr lvl="1"/>
-            <a:r>
-              <a:rPr lang="en-IE" dirty="0"/>
-              <a:t>Destroy enemy base</a:t>
-            </a:r>
-          </a:p>
-        </p:txBody>
-      </p:sp>
       <p:pic>
         <p:nvPicPr>
           <p:cNvPr id="5" name="Picture 4">
@@ -13065,66 +13065,6 @@
           <a:chExt cx="0" cy="0"/>
         </a:xfrm>
       </p:grpSpPr>
-      <p:sp useBgFill="1">
-        <p:nvSpPr>
-          <p:cNvPr id="8" name="Rectangle 7">
-            <a:extLst>
-              <a:ext uri="{FF2B5EF4-FFF2-40B4-BE49-F238E27FC236}">
-                <a16:creationId xmlns:a16="http://schemas.microsoft.com/office/drawing/2014/main" id="{603AE127-802C-459A-A612-DB85B67F0DC0}"/>
-              </a:ext>
-              <a:ext uri="{C183D7F6-B498-43B3-948B-1728B52AA6E4}">
-                <adec:decorative xmlns:adec="http://schemas.microsoft.com/office/drawing/2017/decorative" val="1"/>
-              </a:ext>
-            </a:extLst>
-          </p:cNvPr>
-          <p:cNvSpPr>
-            <a:spLocks noGrp="1" noRot="1" noChangeAspect="1" noMove="1" noResize="1" noEditPoints="1" noAdjustHandles="1" noChangeArrowheads="1" noChangeShapeType="1" noTextEdit="1"/>
-          </p:cNvSpPr>
-          <p:nvPr>
-            <p:extLst>
-              <p:ext uri="{386F3935-93C4-4BCD-93E2-E3B085C9AB24}">
-                <p16:designElem xmlns:p16="http://schemas.microsoft.com/office/powerpoint/2015/main" val="1"/>
-              </p:ext>
-            </p:extLst>
-          </p:nvPr>
-        </p:nvSpPr>
-        <p:spPr>
-          <a:xfrm>
-            <a:off x="0" y="0"/>
-            <a:ext cx="12192000" cy="6858000"/>
-          </a:xfrm>
-          <a:prstGeom prst="rect">
-            <a:avLst/>
-          </a:prstGeom>
-          <a:ln>
-            <a:noFill/>
-          </a:ln>
-        </p:spPr>
-        <p:style>
-          <a:lnRef idx="2">
-            <a:schemeClr val="accent1">
-              <a:shade val="50000"/>
-            </a:schemeClr>
-          </a:lnRef>
-          <a:fillRef idx="1">
-            <a:schemeClr val="accent1"/>
-          </a:fillRef>
-          <a:effectRef idx="0">
-            <a:schemeClr val="accent1"/>
-          </a:effectRef>
-          <a:fontRef idx="minor">
-            <a:schemeClr val="lt1"/>
-          </a:fontRef>
-        </p:style>
-        <p:txBody>
-          <a:bodyPr rtlCol="0" anchor="ctr"/>
-          <a:lstStyle/>
-          <a:p>
-            <a:pPr algn="ctr"/>
-            <a:endParaRPr lang="en-US"/>
-          </a:p>
-        </p:txBody>
-      </p:sp>
       <p:sp>
         <p:nvSpPr>
           <p:cNvPr id="2" name="Title 1">
@@ -13173,109 +13113,6 @@
       </p:sp>
       <p:sp>
         <p:nvSpPr>
-          <p:cNvPr id="10" name="Isosceles Triangle 9">
-            <a:extLst>
-              <a:ext uri="{FF2B5EF4-FFF2-40B4-BE49-F238E27FC236}">
-                <a16:creationId xmlns:a16="http://schemas.microsoft.com/office/drawing/2014/main" id="{9323D83D-50D6-4040-A58B-FCEA340F886A}"/>
-              </a:ext>
-              <a:ext uri="{C183D7F6-B498-43B3-948B-1728B52AA6E4}">
-                <adec:decorative xmlns:adec="http://schemas.microsoft.com/office/drawing/2017/decorative" val="1"/>
-              </a:ext>
-            </a:extLst>
-          </p:cNvPr>
-          <p:cNvSpPr>
-            <a:spLocks noGrp="1" noRot="1" noChangeAspect="1" noMove="1" noResize="1" noEditPoints="1" noAdjustHandles="1" noChangeArrowheads="1" noChangeShapeType="1" noTextEdit="1"/>
-          </p:cNvSpPr>
-          <p:nvPr>
-            <p:extLst>
-              <p:ext uri="{386F3935-93C4-4BCD-93E2-E3B085C9AB24}">
-                <p16:designElem xmlns:p16="http://schemas.microsoft.com/office/powerpoint/2015/main" val="1"/>
-              </p:ext>
-            </p:extLst>
-          </p:nvPr>
-        </p:nvSpPr>
-        <p:spPr>
-          <a:xfrm>
-            <a:off x="0" y="4013200"/>
-            <a:ext cx="448733" cy="2844800"/>
-          </a:xfrm>
-          <a:prstGeom prst="triangle">
-            <a:avLst>
-              <a:gd name="adj" fmla="val 0"/>
-            </a:avLst>
-          </a:prstGeom>
-          <a:solidFill>
-            <a:schemeClr val="accent1"/>
-          </a:solidFill>
-          <a:ln>
-            <a:noFill/>
-          </a:ln>
-          <a:effectLst/>
-        </p:spPr>
-        <p:style>
-          <a:lnRef idx="1">
-            <a:schemeClr val="accent1"/>
-          </a:lnRef>
-          <a:fillRef idx="3">
-            <a:schemeClr val="accent1"/>
-          </a:fillRef>
-          <a:effectRef idx="2">
-            <a:schemeClr val="accent1"/>
-          </a:effectRef>
-          <a:fontRef idx="minor">
-            <a:schemeClr val="lt1"/>
-          </a:fontRef>
-        </p:style>
-      </p:sp>
-      <p:cxnSp>
-        <p:nvCxnSpPr>
-          <p:cNvPr id="12" name="Straight Connector 11">
-            <a:extLst>
-              <a:ext uri="{FF2B5EF4-FFF2-40B4-BE49-F238E27FC236}">
-                <a16:creationId xmlns:a16="http://schemas.microsoft.com/office/drawing/2014/main" id="{1A1FE6BB-DFB2-4080-9B5E-076EF5DDE67B}"/>
-              </a:ext>
-              <a:ext uri="{C183D7F6-B498-43B3-948B-1728B52AA6E4}">
-                <adec:decorative xmlns:adec="http://schemas.microsoft.com/office/drawing/2017/decorative" val="1"/>
-              </a:ext>
-            </a:extLst>
-          </p:cNvPr>
-          <p:cNvCxnSpPr>
-            <a:cxnSpLocks noGrp="1" noRot="1" noChangeAspect="1" noMove="1" noResize="1" noEditPoints="1" noAdjustHandles="1" noChangeArrowheads="1" noChangeShapeType="1"/>
-          </p:cNvCxnSpPr>
-          <p:nvPr>
-            <p:extLst>
-              <p:ext uri="{386F3935-93C4-4BCD-93E2-E3B085C9AB24}">
-                <p16:designElem xmlns:p16="http://schemas.microsoft.com/office/powerpoint/2015/main" val="1"/>
-              </p:ext>
-            </p:extLst>
-          </p:nvPr>
-        </p:nvCxnSpPr>
-        <p:spPr>
-          <a:xfrm>
-            <a:off x="4656670" y="1442595"/>
-            <a:ext cx="0" cy="3937000"/>
-          </a:xfrm>
-          <a:prstGeom prst="line">
-            <a:avLst/>
-          </a:prstGeom>
-        </p:spPr>
-        <p:style>
-          <a:lnRef idx="1">
-            <a:schemeClr val="accent1"/>
-          </a:lnRef>
-          <a:fillRef idx="0">
-            <a:schemeClr val="accent1"/>
-          </a:fillRef>
-          <a:effectRef idx="0">
-            <a:schemeClr val="accent1"/>
-          </a:effectRef>
-          <a:fontRef idx="minor">
-            <a:schemeClr val="tx1"/>
-          </a:fontRef>
-        </p:style>
-      </p:cxnSp>
-      <p:sp>
-        <p:nvSpPr>
           <p:cNvPr id="39" name="Content Placeholder 2">
             <a:extLst>
               <a:ext uri="{FF2B5EF4-FFF2-40B4-BE49-F238E27FC236}">
@@ -13308,7 +13145,7 @@
               </a:lnSpc>
             </a:pPr>
             <a:r>
-              <a:rPr lang="en-IE"/>
+              <a:rPr lang="en-IE" dirty="0"/>
               <a:t>A  fresh new take on the 1 vs 1 experience</a:t>
             </a:r>
           </a:p>
@@ -13318,7 +13155,7 @@
                 <a:spcPct val="90000"/>
               </a:lnSpc>
             </a:pPr>
-            <a:endParaRPr lang="en-IE"/>
+            <a:endParaRPr lang="en-IE" dirty="0"/>
           </a:p>
           <a:p>
             <a:pPr>
@@ -13327,7 +13164,7 @@
               </a:lnSpc>
             </a:pPr>
             <a:r>
-              <a:rPr lang="en-IE"/>
+              <a:rPr lang="en-IE" dirty="0"/>
               <a:t>Prioritise the players</a:t>
             </a:r>
           </a:p>
@@ -13337,7 +13174,7 @@
                 <a:spcPct val="90000"/>
               </a:lnSpc>
             </a:pPr>
-            <a:endParaRPr lang="en-IE"/>
+            <a:endParaRPr lang="en-IE" dirty="0"/>
           </a:p>
           <a:p>
             <a:pPr>
@@ -13346,13 +13183,13 @@
               </a:lnSpc>
             </a:pPr>
             <a:r>
-              <a:rPr lang="en-IE"/>
+              <a:rPr lang="en-IE" dirty="0"/>
               <a:t>Simple to learn, difficult to master</a:t>
             </a:r>
             <a:br>
-              <a:rPr lang="en-IE"/>
+              <a:rPr lang="en-IE" dirty="0"/>
             </a:br>
-            <a:endParaRPr lang="en-IE"/>
+            <a:endParaRPr lang="en-IE" dirty="0"/>
           </a:p>
           <a:p>
             <a:pPr>
@@ -13361,7 +13198,7 @@
               </a:lnSpc>
             </a:pPr>
             <a:r>
-              <a:rPr lang="en-IE"/>
+              <a:rPr lang="en-IE" dirty="0"/>
               <a:t>Replay-ability</a:t>
             </a:r>
           </a:p>
@@ -13372,7 +13209,7 @@
               </a:lnSpc>
             </a:pPr>
             <a:r>
-              <a:rPr lang="en-IE"/>
+              <a:rPr lang="en-IE" dirty="0"/>
               <a:t>Large amounts of random generation</a:t>
             </a:r>
           </a:p>
@@ -13383,7 +13220,7 @@
               </a:lnSpc>
               <a:buNone/>
             </a:pPr>
-            <a:endParaRPr lang="en-IE"/>
+            <a:endParaRPr lang="en-IE" dirty="0"/>
           </a:p>
           <a:p>
             <a:pPr>
@@ -13392,7 +13229,7 @@
               </a:lnSpc>
             </a:pPr>
             <a:r>
-              <a:rPr lang="en-IE"/>
+              <a:rPr lang="en-IE" dirty="0"/>
               <a:t>Some Players like experimenting</a:t>
             </a:r>
           </a:p>
@@ -13403,7 +13240,7 @@
               </a:lnSpc>
             </a:pPr>
             <a:r>
-              <a:rPr lang="en-IE"/>
+              <a:rPr lang="en-IE" dirty="0"/>
               <a:t>1 Conqueror and 4 minion types</a:t>
             </a:r>
           </a:p>
@@ -13414,67 +13251,11 @@
               </a:lnSpc>
             </a:pPr>
             <a:r>
-              <a:rPr lang="en-IE"/>
+              <a:rPr lang="en-IE" dirty="0"/>
               <a:t>5 Conquerors and 12 minion types on release, that’s 59,400 combos!</a:t>
             </a:r>
           </a:p>
         </p:txBody>
-      </p:sp>
-      <p:sp>
-        <p:nvSpPr>
-          <p:cNvPr id="14" name="Isosceles Triangle 13">
-            <a:extLst>
-              <a:ext uri="{FF2B5EF4-FFF2-40B4-BE49-F238E27FC236}">
-                <a16:creationId xmlns:a16="http://schemas.microsoft.com/office/drawing/2014/main" id="{F10FD715-4DCE-4779-B634-EC78315EA213}"/>
-              </a:ext>
-              <a:ext uri="{C183D7F6-B498-43B3-948B-1728B52AA6E4}">
-                <adec:decorative xmlns:adec="http://schemas.microsoft.com/office/drawing/2017/decorative" val="1"/>
-              </a:ext>
-            </a:extLst>
-          </p:cNvPr>
-          <p:cNvSpPr>
-            <a:spLocks noGrp="1" noRot="1" noChangeAspect="1" noMove="1" noResize="1" noEditPoints="1" noAdjustHandles="1" noChangeArrowheads="1" noChangeShapeType="1" noTextEdit="1"/>
-          </p:cNvSpPr>
-          <p:nvPr>
-            <p:extLst>
-              <p:ext uri="{386F3935-93C4-4BCD-93E2-E3B085C9AB24}">
-                <p16:designElem xmlns:p16="http://schemas.microsoft.com/office/powerpoint/2015/main" val="1"/>
-              </p:ext>
-            </p:extLst>
-          </p:nvPr>
-        </p:nvSpPr>
-        <p:spPr>
-          <a:xfrm rot="10800000" flipH="1">
-            <a:off x="11364139" y="0"/>
-            <a:ext cx="842596" cy="4616289"/>
-          </a:xfrm>
-          <a:prstGeom prst="triangle">
-            <a:avLst>
-              <a:gd name="adj" fmla="val 100000"/>
-            </a:avLst>
-          </a:prstGeom>
-          <a:solidFill>
-            <a:schemeClr val="accent2"/>
-          </a:solidFill>
-          <a:ln>
-            <a:noFill/>
-          </a:ln>
-          <a:effectLst/>
-        </p:spPr>
-        <p:style>
-          <a:lnRef idx="1">
-            <a:schemeClr val="accent1"/>
-          </a:lnRef>
-          <a:fillRef idx="3">
-            <a:schemeClr val="accent1"/>
-          </a:fillRef>
-          <a:effectRef idx="2">
-            <a:schemeClr val="accent1"/>
-          </a:effectRef>
-          <a:fontRef idx="minor">
-            <a:schemeClr val="lt1"/>
-          </a:fontRef>
-        </p:style>
       </p:sp>
     </p:spTree>
     <p:extLst>
@@ -13630,12 +13411,7 @@
             <p:ph type="title"/>
           </p:nvPr>
         </p:nvSpPr>
-        <p:spPr>
-          <a:xfrm>
-            <a:off x="677334" y="609600"/>
-            <a:ext cx="8596668" cy="1320800"/>
-          </a:xfrm>
-        </p:spPr>
+        <p:spPr/>
         <p:txBody>
           <a:bodyPr>
             <a:normAutofit/>
@@ -13657,6 +13433,83 @@
               </a:rPr>
               <a:t>How is the Project being Created?</a:t>
             </a:r>
+          </a:p>
+        </p:txBody>
+      </p:sp>
+      <p:sp>
+        <p:nvSpPr>
+          <p:cNvPr id="3" name="Content Placeholder 2">
+            <a:extLst>
+              <a:ext uri="{FF2B5EF4-FFF2-40B4-BE49-F238E27FC236}">
+                <a16:creationId xmlns:a16="http://schemas.microsoft.com/office/drawing/2014/main" id="{B3E186D9-44E5-47A8-BB42-E65FAABFCDE7}"/>
+              </a:ext>
+            </a:extLst>
+          </p:cNvPr>
+          <p:cNvSpPr>
+            <a:spLocks noGrp="1"/>
+          </p:cNvSpPr>
+          <p:nvPr>
+            <p:ph idx="1"/>
+          </p:nvPr>
+        </p:nvSpPr>
+        <p:spPr>
+          <a:xfrm>
+            <a:off x="1445679" y="1665488"/>
+            <a:ext cx="2944638" cy="3880773"/>
+          </a:xfrm>
+        </p:spPr>
+        <p:txBody>
+          <a:bodyPr>
+            <a:normAutofit/>
+          </a:bodyPr>
+          <a:lstStyle/>
+          <a:p>
+            <a:r>
+              <a:rPr lang="en-IE" sz="1500" dirty="0"/>
+              <a:t>Developed in the Unity Engine</a:t>
+            </a:r>
+          </a:p>
+          <a:p>
+            <a:endParaRPr lang="en-IE" sz="1500" dirty="0"/>
+          </a:p>
+          <a:p>
+            <a:endParaRPr lang="en-IE" sz="1500" dirty="0"/>
+          </a:p>
+          <a:p>
+            <a:endParaRPr lang="en-IE" sz="1500" dirty="0"/>
+          </a:p>
+          <a:p>
+            <a:r>
+              <a:rPr lang="en-IE" sz="1500" dirty="0"/>
+              <a:t>Created in C#</a:t>
+            </a:r>
+          </a:p>
+          <a:p>
+            <a:endParaRPr lang="en-IE" sz="1500" dirty="0"/>
+          </a:p>
+          <a:p>
+            <a:pPr marL="0" indent="0">
+              <a:buNone/>
+            </a:pPr>
+            <a:endParaRPr lang="en-IE" sz="1500" dirty="0"/>
+          </a:p>
+          <a:p>
+            <a:pPr marL="0" indent="0">
+              <a:buNone/>
+            </a:pPr>
+            <a:endParaRPr lang="en-IE" sz="1500" dirty="0"/>
+          </a:p>
+          <a:p>
+            <a:r>
+              <a:rPr lang="en-IE" sz="1500" dirty="0"/>
+              <a:t>Using Mirror Networking Library</a:t>
+            </a:r>
+          </a:p>
+          <a:p>
+            <a:endParaRPr lang="en-IE" sz="1500" dirty="0"/>
+          </a:p>
+          <a:p>
+            <a:endParaRPr lang="en-IE" sz="1500" dirty="0"/>
           </a:p>
         </p:txBody>
       </p:sp>
@@ -13736,83 +13589,6 @@
           </a:extLst>
         </p:spPr>
       </p:pic>
-      <p:sp>
-        <p:nvSpPr>
-          <p:cNvPr id="3" name="Content Placeholder 2">
-            <a:extLst>
-              <a:ext uri="{FF2B5EF4-FFF2-40B4-BE49-F238E27FC236}">
-                <a16:creationId xmlns:a16="http://schemas.microsoft.com/office/drawing/2014/main" id="{B3E186D9-44E5-47A8-BB42-E65FAABFCDE7}"/>
-              </a:ext>
-            </a:extLst>
-          </p:cNvPr>
-          <p:cNvSpPr>
-            <a:spLocks noGrp="1"/>
-          </p:cNvSpPr>
-          <p:nvPr>
-            <p:ph idx="1"/>
-          </p:nvPr>
-        </p:nvSpPr>
-        <p:spPr>
-          <a:xfrm>
-            <a:off x="1445679" y="1665488"/>
-            <a:ext cx="2944638" cy="3880773"/>
-          </a:xfrm>
-        </p:spPr>
-        <p:txBody>
-          <a:bodyPr>
-            <a:normAutofit/>
-          </a:bodyPr>
-          <a:lstStyle/>
-          <a:p>
-            <a:r>
-              <a:rPr lang="en-IE" sz="1500" dirty="0"/>
-              <a:t>Developed in the Unity Engine</a:t>
-            </a:r>
-          </a:p>
-          <a:p>
-            <a:endParaRPr lang="en-IE" sz="1500" dirty="0"/>
-          </a:p>
-          <a:p>
-            <a:endParaRPr lang="en-IE" sz="1500" dirty="0"/>
-          </a:p>
-          <a:p>
-            <a:endParaRPr lang="en-IE" sz="1500" dirty="0"/>
-          </a:p>
-          <a:p>
-            <a:r>
-              <a:rPr lang="en-IE" sz="1500" dirty="0"/>
-              <a:t>Created in C#</a:t>
-            </a:r>
-          </a:p>
-          <a:p>
-            <a:endParaRPr lang="en-IE" sz="1500" dirty="0"/>
-          </a:p>
-          <a:p>
-            <a:pPr marL="0" indent="0">
-              <a:buNone/>
-            </a:pPr>
-            <a:endParaRPr lang="en-IE" sz="1500" dirty="0"/>
-          </a:p>
-          <a:p>
-            <a:pPr marL="0" indent="0">
-              <a:buNone/>
-            </a:pPr>
-            <a:endParaRPr lang="en-IE" sz="1500" dirty="0"/>
-          </a:p>
-          <a:p>
-            <a:r>
-              <a:rPr lang="en-IE" sz="1500" dirty="0"/>
-              <a:t>Using Mirror Networking Library</a:t>
-            </a:r>
-          </a:p>
-          <a:p>
-            <a:endParaRPr lang="en-IE" sz="1500" dirty="0"/>
-          </a:p>
-          <a:p>
-            <a:endParaRPr lang="en-IE" sz="1500" dirty="0"/>
-          </a:p>
-        </p:txBody>
-      </p:sp>
       <p:pic>
         <p:nvPicPr>
           <p:cNvPr id="7" name="Picture 6" descr="Logo&#10;&#10;Description automatically generated">
@@ -14266,725 +14042,6 @@
           <a:chExt cx="0" cy="0"/>
         </a:xfrm>
       </p:grpSpPr>
-      <p:sp useBgFill="1">
-        <p:nvSpPr>
-          <p:cNvPr id="8" name="Rectangle 7">
-            <a:extLst>
-              <a:ext uri="{FF2B5EF4-FFF2-40B4-BE49-F238E27FC236}">
-                <a16:creationId xmlns:a16="http://schemas.microsoft.com/office/drawing/2014/main" id="{A65AC7D1-EAA9-48F5-B509-60A7F50BF703}"/>
-              </a:ext>
-              <a:ext uri="{C183D7F6-B498-43B3-948B-1728B52AA6E4}">
-                <adec:decorative xmlns:adec="http://schemas.microsoft.com/office/drawing/2017/decorative" val="1"/>
-              </a:ext>
-            </a:extLst>
-          </p:cNvPr>
-          <p:cNvSpPr>
-            <a:spLocks noGrp="1" noRot="1" noChangeAspect="1" noMove="1" noResize="1" noEditPoints="1" noAdjustHandles="1" noChangeArrowheads="1" noChangeShapeType="1" noTextEdit="1"/>
-          </p:cNvSpPr>
-          <p:nvPr>
-            <p:extLst>
-              <p:ext uri="{386F3935-93C4-4BCD-93E2-E3B085C9AB24}">
-                <p16:designElem xmlns:p16="http://schemas.microsoft.com/office/powerpoint/2015/main" val="1"/>
-              </p:ext>
-            </p:extLst>
-          </p:nvPr>
-        </p:nvSpPr>
-        <p:spPr>
-          <a:xfrm>
-            <a:off x="0" y="0"/>
-            <a:ext cx="12192000" cy="6858000"/>
-          </a:xfrm>
-          <a:prstGeom prst="rect">
-            <a:avLst/>
-          </a:prstGeom>
-          <a:ln>
-            <a:noFill/>
-          </a:ln>
-        </p:spPr>
-        <p:style>
-          <a:lnRef idx="2">
-            <a:schemeClr val="accent1">
-              <a:shade val="50000"/>
-            </a:schemeClr>
-          </a:lnRef>
-          <a:fillRef idx="1">
-            <a:schemeClr val="accent1"/>
-          </a:fillRef>
-          <a:effectRef idx="0">
-            <a:schemeClr val="accent1"/>
-          </a:effectRef>
-          <a:fontRef idx="minor">
-            <a:schemeClr val="lt1"/>
-          </a:fontRef>
-        </p:style>
-        <p:txBody>
-          <a:bodyPr rtlCol="0" anchor="ctr"/>
-          <a:lstStyle/>
-          <a:p>
-            <a:pPr algn="ctr"/>
-            <a:endParaRPr lang="en-US" dirty="0"/>
-          </a:p>
-        </p:txBody>
-      </p:sp>
-      <p:sp useBgFill="1">
-        <p:nvSpPr>
-          <p:cNvPr id="10" name="Rectangle 9">
-            <a:extLst>
-              <a:ext uri="{FF2B5EF4-FFF2-40B4-BE49-F238E27FC236}">
-                <a16:creationId xmlns:a16="http://schemas.microsoft.com/office/drawing/2014/main" id="{D6320AF9-619A-4175-865B-5663E1AEF4C5}"/>
-              </a:ext>
-              <a:ext uri="{C183D7F6-B498-43B3-948B-1728B52AA6E4}">
-                <adec:decorative xmlns:adec="http://schemas.microsoft.com/office/drawing/2017/decorative" val="1"/>
-              </a:ext>
-            </a:extLst>
-          </p:cNvPr>
-          <p:cNvSpPr>
-            <a:spLocks noGrp="1" noRot="1" noChangeAspect="1" noMove="1" noResize="1" noEditPoints="1" noAdjustHandles="1" noChangeArrowheads="1" noChangeShapeType="1" noTextEdit="1"/>
-          </p:cNvSpPr>
-          <p:nvPr>
-            <p:extLst>
-              <p:ext uri="{386F3935-93C4-4BCD-93E2-E3B085C9AB24}">
-                <p16:designElem xmlns:p16="http://schemas.microsoft.com/office/powerpoint/2015/main" val="1"/>
-              </p:ext>
-            </p:extLst>
-          </p:nvPr>
-        </p:nvSpPr>
-        <p:spPr>
-          <a:xfrm>
-            <a:off x="0" y="0"/>
-            <a:ext cx="12192000" cy="6858000"/>
-          </a:xfrm>
-          <a:prstGeom prst="rect">
-            <a:avLst/>
-          </a:prstGeom>
-          <a:ln>
-            <a:noFill/>
-          </a:ln>
-        </p:spPr>
-        <p:style>
-          <a:lnRef idx="2">
-            <a:schemeClr val="accent1">
-              <a:shade val="50000"/>
-            </a:schemeClr>
-          </a:lnRef>
-          <a:fillRef idx="1">
-            <a:schemeClr val="accent1"/>
-          </a:fillRef>
-          <a:effectRef idx="0">
-            <a:schemeClr val="accent1"/>
-          </a:effectRef>
-          <a:fontRef idx="minor">
-            <a:schemeClr val="lt1"/>
-          </a:fontRef>
-        </p:style>
-        <p:txBody>
-          <a:bodyPr rtlCol="0" anchor="ctr"/>
-          <a:lstStyle/>
-          <a:p>
-            <a:pPr algn="ctr"/>
-            <a:endParaRPr lang="en-US"/>
-          </a:p>
-        </p:txBody>
-      </p:sp>
-      <p:cxnSp>
-        <p:nvCxnSpPr>
-          <p:cNvPr id="12" name="Straight Connector 11">
-            <a:extLst>
-              <a:ext uri="{FF2B5EF4-FFF2-40B4-BE49-F238E27FC236}">
-                <a16:creationId xmlns:a16="http://schemas.microsoft.com/office/drawing/2014/main" id="{063B6EC6-D752-4EE7-908B-F8F19E8C7FEA}"/>
-              </a:ext>
-              <a:ext uri="{C183D7F6-B498-43B3-948B-1728B52AA6E4}">
-                <adec:decorative xmlns:adec="http://schemas.microsoft.com/office/drawing/2017/decorative" val="1"/>
-              </a:ext>
-            </a:extLst>
-          </p:cNvPr>
-          <p:cNvCxnSpPr>
-            <a:cxnSpLocks noGrp="1" noRot="1" noChangeAspect="1" noMove="1" noResize="1" noEditPoints="1" noAdjustHandles="1" noChangeArrowheads="1" noChangeShapeType="1"/>
-          </p:cNvCxnSpPr>
-          <p:nvPr>
-            <p:extLst>
-              <p:ext uri="{386F3935-93C4-4BCD-93E2-E3B085C9AB24}">
-                <p16:designElem xmlns:p16="http://schemas.microsoft.com/office/powerpoint/2015/main" val="1"/>
-              </p:ext>
-            </p:extLst>
-          </p:nvPr>
-        </p:nvCxnSpPr>
-        <p:spPr>
-          <a:xfrm>
-            <a:off x="3953376" y="0"/>
-            <a:ext cx="1219200" cy="6858000"/>
-          </a:xfrm>
-          <a:prstGeom prst="line">
-            <a:avLst/>
-          </a:prstGeom>
-          <a:ln w="9525">
-            <a:solidFill>
-              <a:schemeClr val="accent1">
-                <a:lumMod val="75000"/>
-              </a:schemeClr>
-            </a:solidFill>
-          </a:ln>
-        </p:spPr>
-        <p:style>
-          <a:lnRef idx="2">
-            <a:schemeClr val="accent1"/>
-          </a:lnRef>
-          <a:fillRef idx="0">
-            <a:schemeClr val="accent1"/>
-          </a:fillRef>
-          <a:effectRef idx="1">
-            <a:schemeClr val="accent1"/>
-          </a:effectRef>
-          <a:fontRef idx="minor">
-            <a:schemeClr val="tx1"/>
-          </a:fontRef>
-        </p:style>
-      </p:cxnSp>
-      <p:cxnSp>
-        <p:nvCxnSpPr>
-          <p:cNvPr id="14" name="Straight Connector 13">
-            <a:extLst>
-              <a:ext uri="{FF2B5EF4-FFF2-40B4-BE49-F238E27FC236}">
-                <a16:creationId xmlns:a16="http://schemas.microsoft.com/office/drawing/2014/main" id="{EFECD4E8-AD3E-4228-82A2-9461958EA94D}"/>
-              </a:ext>
-              <a:ext uri="{C183D7F6-B498-43B3-948B-1728B52AA6E4}">
-                <adec:decorative xmlns:adec="http://schemas.microsoft.com/office/drawing/2017/decorative" val="1"/>
-              </a:ext>
-            </a:extLst>
-          </p:cNvPr>
-          <p:cNvCxnSpPr>
-            <a:cxnSpLocks noGrp="1" noRot="1" noChangeAspect="1" noMove="1" noResize="1" noEditPoints="1" noAdjustHandles="1" noChangeArrowheads="1" noChangeShapeType="1"/>
-          </p:cNvCxnSpPr>
-          <p:nvPr>
-            <p:extLst>
-              <p:ext uri="{386F3935-93C4-4BCD-93E2-E3B085C9AB24}">
-                <p16:designElem xmlns:p16="http://schemas.microsoft.com/office/powerpoint/2015/main" val="1"/>
-              </p:ext>
-            </p:extLst>
-          </p:nvPr>
-        </p:nvCxnSpPr>
-        <p:spPr>
-          <a:xfrm flipH="1">
-            <a:off x="2133042" y="3681413"/>
-            <a:ext cx="4763558" cy="3176587"/>
-          </a:xfrm>
-          <a:prstGeom prst="line">
-            <a:avLst/>
-          </a:prstGeom>
-          <a:ln w="9525">
-            <a:solidFill>
-              <a:schemeClr val="tx1">
-                <a:lumMod val="50000"/>
-                <a:lumOff val="50000"/>
-                <a:alpha val="80000"/>
-              </a:schemeClr>
-            </a:solidFill>
-          </a:ln>
-        </p:spPr>
-        <p:style>
-          <a:lnRef idx="2">
-            <a:schemeClr val="accent1"/>
-          </a:lnRef>
-          <a:fillRef idx="0">
-            <a:schemeClr val="accent1"/>
-          </a:fillRef>
-          <a:effectRef idx="1">
-            <a:schemeClr val="accent1"/>
-          </a:effectRef>
-          <a:fontRef idx="minor">
-            <a:schemeClr val="tx1"/>
-          </a:fontRef>
-        </p:style>
-      </p:cxnSp>
-      <p:sp>
-        <p:nvSpPr>
-          <p:cNvPr id="21" name="Rectangle 23">
-            <a:extLst>
-              <a:ext uri="{FF2B5EF4-FFF2-40B4-BE49-F238E27FC236}">
-                <a16:creationId xmlns:a16="http://schemas.microsoft.com/office/drawing/2014/main" id="{7E018740-5C2B-4A41-AC1A-7E68D1EC1954}"/>
-              </a:ext>
-              <a:ext uri="{C183D7F6-B498-43B3-948B-1728B52AA6E4}">
-                <adec:decorative xmlns:adec="http://schemas.microsoft.com/office/drawing/2017/decorative" val="1"/>
-              </a:ext>
-            </a:extLst>
-          </p:cNvPr>
-          <p:cNvSpPr>
-            <a:spLocks noGrp="1" noRot="1" noChangeAspect="1" noMove="1" noResize="1" noEditPoints="1" noAdjustHandles="1" noChangeArrowheads="1" noChangeShapeType="1" noTextEdit="1"/>
-          </p:cNvSpPr>
-          <p:nvPr>
-            <p:extLst>
-              <p:ext uri="{386F3935-93C4-4BCD-93E2-E3B085C9AB24}">
-                <p16:designElem xmlns:p16="http://schemas.microsoft.com/office/powerpoint/2015/main" val="1"/>
-              </p:ext>
-            </p:extLst>
-          </p:nvPr>
-        </p:nvSpPr>
-        <p:spPr>
-          <a:xfrm>
-            <a:off x="3324631" y="-8467"/>
-            <a:ext cx="3007349" cy="6866467"/>
-          </a:xfrm>
-          <a:custGeom>
-            <a:avLst/>
-            <a:gdLst/>
-            <a:ahLst/>
-            <a:cxnLst/>
-            <a:rect l="l" t="t" r="r" b="b"/>
-            <a:pathLst>
-              <a:path w="3007349" h="6866467">
-                <a:moveTo>
-                  <a:pt x="2045532" y="0"/>
-                </a:moveTo>
-                <a:lnTo>
-                  <a:pt x="3007349" y="0"/>
-                </a:lnTo>
-                <a:lnTo>
-                  <a:pt x="3007349" y="6866467"/>
-                </a:lnTo>
-                <a:lnTo>
-                  <a:pt x="0" y="6866467"/>
-                </a:lnTo>
-                <a:lnTo>
-                  <a:pt x="2045532" y="0"/>
-                </a:lnTo>
-                <a:close/>
-              </a:path>
-            </a:pathLst>
-          </a:custGeom>
-          <a:solidFill>
-            <a:schemeClr val="accent1">
-              <a:alpha val="30000"/>
-            </a:schemeClr>
-          </a:solidFill>
-          <a:ln>
-            <a:noFill/>
-          </a:ln>
-          <a:effectLst/>
-        </p:spPr>
-        <p:style>
-          <a:lnRef idx="1">
-            <a:schemeClr val="accent1"/>
-          </a:lnRef>
-          <a:fillRef idx="3">
-            <a:schemeClr val="accent1"/>
-          </a:fillRef>
-          <a:effectRef idx="2">
-            <a:schemeClr val="accent1"/>
-          </a:effectRef>
-          <a:fontRef idx="minor">
-            <a:schemeClr val="lt1"/>
-          </a:fontRef>
-        </p:style>
-      </p:sp>
-      <p:sp>
-        <p:nvSpPr>
-          <p:cNvPr id="23" name="Rectangle 25">
-            <a:extLst>
-              <a:ext uri="{FF2B5EF4-FFF2-40B4-BE49-F238E27FC236}">
-                <a16:creationId xmlns:a16="http://schemas.microsoft.com/office/drawing/2014/main" id="{166F75A4-C475-4941-8EE2-B80A06A2C1BB}"/>
-              </a:ext>
-              <a:ext uri="{C183D7F6-B498-43B3-948B-1728B52AA6E4}">
-                <adec:decorative xmlns:adec="http://schemas.microsoft.com/office/drawing/2017/decorative" val="1"/>
-              </a:ext>
-            </a:extLst>
-          </p:cNvPr>
-          <p:cNvSpPr>
-            <a:spLocks noGrp="1" noRot="1" noChangeAspect="1" noMove="1" noResize="1" noEditPoints="1" noAdjustHandles="1" noChangeArrowheads="1" noChangeShapeType="1" noTextEdit="1"/>
-          </p:cNvSpPr>
-          <p:nvPr>
-            <p:extLst>
-              <p:ext uri="{386F3935-93C4-4BCD-93E2-E3B085C9AB24}">
-                <p16:designElem xmlns:p16="http://schemas.microsoft.com/office/powerpoint/2015/main" val="1"/>
-              </p:ext>
-            </p:extLst>
-          </p:nvPr>
-        </p:nvSpPr>
-        <p:spPr>
-          <a:xfrm>
-            <a:off x="3746597" y="-8467"/>
-            <a:ext cx="2588558" cy="6866467"/>
-          </a:xfrm>
-          <a:custGeom>
-            <a:avLst/>
-            <a:gdLst/>
-            <a:ahLst/>
-            <a:cxnLst/>
-            <a:rect l="l" t="t" r="r" b="b"/>
-            <a:pathLst>
-              <a:path w="2573311" h="6866467">
-                <a:moveTo>
-                  <a:pt x="0" y="0"/>
-                </a:moveTo>
-                <a:lnTo>
-                  <a:pt x="2573311" y="0"/>
-                </a:lnTo>
-                <a:lnTo>
-                  <a:pt x="2573311" y="6866467"/>
-                </a:lnTo>
-                <a:lnTo>
-                  <a:pt x="1202336" y="6866467"/>
-                </a:lnTo>
-                <a:lnTo>
-                  <a:pt x="0" y="0"/>
-                </a:lnTo>
-                <a:close/>
-              </a:path>
-            </a:pathLst>
-          </a:custGeom>
-          <a:solidFill>
-            <a:schemeClr val="accent1">
-              <a:alpha val="20000"/>
-            </a:schemeClr>
-          </a:solidFill>
-          <a:ln>
-            <a:noFill/>
-          </a:ln>
-          <a:effectLst/>
-        </p:spPr>
-        <p:style>
-          <a:lnRef idx="1">
-            <a:schemeClr val="accent1"/>
-          </a:lnRef>
-          <a:fillRef idx="3">
-            <a:schemeClr val="accent1"/>
-          </a:fillRef>
-          <a:effectRef idx="2">
-            <a:schemeClr val="accent1"/>
-          </a:effectRef>
-          <a:fontRef idx="minor">
-            <a:schemeClr val="lt1"/>
-          </a:fontRef>
-        </p:style>
-      </p:sp>
-      <p:sp>
-        <p:nvSpPr>
-          <p:cNvPr id="20" name="Isosceles Triangle 19">
-            <a:extLst>
-              <a:ext uri="{FF2B5EF4-FFF2-40B4-BE49-F238E27FC236}">
-                <a16:creationId xmlns:a16="http://schemas.microsoft.com/office/drawing/2014/main" id="{A032553A-72E8-4B0D-8405-FF9771C9AF05}"/>
-              </a:ext>
-              <a:ext uri="{C183D7F6-B498-43B3-948B-1728B52AA6E4}">
-                <adec:decorative xmlns:adec="http://schemas.microsoft.com/office/drawing/2017/decorative" val="1"/>
-              </a:ext>
-            </a:extLst>
-          </p:cNvPr>
-          <p:cNvSpPr>
-            <a:spLocks noGrp="1" noRot="1" noChangeAspect="1" noMove="1" noResize="1" noEditPoints="1" noAdjustHandles="1" noChangeArrowheads="1" noChangeShapeType="1" noTextEdit="1"/>
-          </p:cNvSpPr>
-          <p:nvPr>
-            <p:extLst>
-              <p:ext uri="{386F3935-93C4-4BCD-93E2-E3B085C9AB24}">
-                <p16:designElem xmlns:p16="http://schemas.microsoft.com/office/powerpoint/2015/main" val="1"/>
-              </p:ext>
-            </p:extLst>
-          </p:nvPr>
-        </p:nvSpPr>
-        <p:spPr>
-          <a:xfrm>
-            <a:off x="3075488" y="3048000"/>
-            <a:ext cx="3259667" cy="3810000"/>
-          </a:xfrm>
-          <a:prstGeom prst="triangle">
-            <a:avLst>
-              <a:gd name="adj" fmla="val 100000"/>
-            </a:avLst>
-          </a:prstGeom>
-          <a:solidFill>
-            <a:schemeClr val="accent2">
-              <a:alpha val="72000"/>
-            </a:schemeClr>
-          </a:solidFill>
-          <a:ln>
-            <a:noFill/>
-          </a:ln>
-          <a:effectLst/>
-        </p:spPr>
-        <p:style>
-          <a:lnRef idx="1">
-            <a:schemeClr val="accent1"/>
-          </a:lnRef>
-          <a:fillRef idx="3">
-            <a:schemeClr val="accent1"/>
-          </a:fillRef>
-          <a:effectRef idx="2">
-            <a:schemeClr val="accent1"/>
-          </a:effectRef>
-          <a:fontRef idx="minor">
-            <a:schemeClr val="lt1"/>
-          </a:fontRef>
-        </p:style>
-      </p:sp>
-      <p:sp>
-        <p:nvSpPr>
-          <p:cNvPr id="22" name="Rectangle 27">
-            <a:extLst>
-              <a:ext uri="{FF2B5EF4-FFF2-40B4-BE49-F238E27FC236}">
-                <a16:creationId xmlns:a16="http://schemas.microsoft.com/office/drawing/2014/main" id="{765800AC-C3B9-498E-87BC-29FAE4C76B21}"/>
-              </a:ext>
-              <a:ext uri="{C183D7F6-B498-43B3-948B-1728B52AA6E4}">
-                <adec:decorative xmlns:adec="http://schemas.microsoft.com/office/drawing/2017/decorative" val="1"/>
-              </a:ext>
-            </a:extLst>
-          </p:cNvPr>
-          <p:cNvSpPr>
-            <a:spLocks noGrp="1" noRot="1" noChangeAspect="1" noMove="1" noResize="1" noEditPoints="1" noAdjustHandles="1" noChangeArrowheads="1" noChangeShapeType="1" noTextEdit="1"/>
-          </p:cNvSpPr>
-          <p:nvPr>
-            <p:extLst>
-              <p:ext uri="{386F3935-93C4-4BCD-93E2-E3B085C9AB24}">
-                <p16:designElem xmlns:p16="http://schemas.microsoft.com/office/powerpoint/2015/main" val="1"/>
-              </p:ext>
-            </p:extLst>
-          </p:nvPr>
-        </p:nvSpPr>
-        <p:spPr>
-          <a:xfrm>
-            <a:off x="3477655" y="-8467"/>
-            <a:ext cx="2854326" cy="6866467"/>
-          </a:xfrm>
-          <a:custGeom>
-            <a:avLst/>
-            <a:gdLst/>
-            <a:ahLst/>
-            <a:cxnLst/>
-            <a:rect l="l" t="t" r="r" b="b"/>
-            <a:pathLst>
-              <a:path w="2858013" h="6866467">
-                <a:moveTo>
-                  <a:pt x="0" y="0"/>
-                </a:moveTo>
-                <a:lnTo>
-                  <a:pt x="2858013" y="0"/>
-                </a:lnTo>
-                <a:lnTo>
-                  <a:pt x="2858013" y="6866467"/>
-                </a:lnTo>
-                <a:lnTo>
-                  <a:pt x="2473942" y="6866467"/>
-                </a:lnTo>
-                <a:lnTo>
-                  <a:pt x="0" y="0"/>
-                </a:lnTo>
-                <a:close/>
-              </a:path>
-            </a:pathLst>
-          </a:custGeom>
-          <a:solidFill>
-            <a:schemeClr val="accent2">
-              <a:lumMod val="75000"/>
-              <a:alpha val="70000"/>
-            </a:schemeClr>
-          </a:solidFill>
-          <a:ln>
-            <a:noFill/>
-          </a:ln>
-          <a:effectLst/>
-        </p:spPr>
-        <p:style>
-          <a:lnRef idx="1">
-            <a:schemeClr val="accent1"/>
-          </a:lnRef>
-          <a:fillRef idx="3">
-            <a:schemeClr val="accent1"/>
-          </a:fillRef>
-          <a:effectRef idx="2">
-            <a:schemeClr val="accent1"/>
-          </a:effectRef>
-          <a:fontRef idx="minor">
-            <a:schemeClr val="lt1"/>
-          </a:fontRef>
-        </p:style>
-      </p:sp>
-      <p:sp>
-        <p:nvSpPr>
-          <p:cNvPr id="24" name="Isosceles Triangle 23">
-            <a:extLst>
-              <a:ext uri="{FF2B5EF4-FFF2-40B4-BE49-F238E27FC236}">
-                <a16:creationId xmlns:a16="http://schemas.microsoft.com/office/drawing/2014/main" id="{1F9D6ACB-2FF4-49F9-978A-E0D5327FC635}"/>
-              </a:ext>
-              <a:ext uri="{C183D7F6-B498-43B3-948B-1728B52AA6E4}">
-                <adec:decorative xmlns:adec="http://schemas.microsoft.com/office/drawing/2017/decorative" val="1"/>
-              </a:ext>
-            </a:extLst>
-          </p:cNvPr>
-          <p:cNvSpPr>
-            <a:spLocks noGrp="1" noRot="1" noChangeAspect="1" noMove="1" noResize="1" noEditPoints="1" noAdjustHandles="1" noChangeArrowheads="1" noChangeShapeType="1" noTextEdit="1"/>
-          </p:cNvSpPr>
-          <p:nvPr>
-            <p:extLst>
-              <p:ext uri="{386F3935-93C4-4BCD-93E2-E3B085C9AB24}">
-                <p16:designElem xmlns:p16="http://schemas.microsoft.com/office/powerpoint/2015/main" val="1"/>
-              </p:ext>
-            </p:extLst>
-          </p:nvPr>
-        </p:nvSpPr>
-        <p:spPr>
-          <a:xfrm>
-            <a:off x="4514821" y="3589867"/>
-            <a:ext cx="1817159" cy="3268133"/>
-          </a:xfrm>
-          <a:prstGeom prst="triangle">
-            <a:avLst>
-              <a:gd name="adj" fmla="val 100000"/>
-            </a:avLst>
-          </a:prstGeom>
-          <a:solidFill>
-            <a:schemeClr val="accent1">
-              <a:alpha val="80000"/>
-            </a:schemeClr>
-          </a:solidFill>
-          <a:ln>
-            <a:noFill/>
-          </a:ln>
-          <a:effectLst/>
-        </p:spPr>
-        <p:style>
-          <a:lnRef idx="1">
-            <a:schemeClr val="accent1"/>
-          </a:lnRef>
-          <a:fillRef idx="3">
-            <a:schemeClr val="accent1"/>
-          </a:fillRef>
-          <a:effectRef idx="2">
-            <a:schemeClr val="accent1"/>
-          </a:effectRef>
-          <a:fontRef idx="minor">
-            <a:schemeClr val="lt1"/>
-          </a:fontRef>
-        </p:style>
-      </p:sp>
-      <p:sp>
-        <p:nvSpPr>
-          <p:cNvPr id="26" name="Freeform: Shape 25">
-            <a:extLst>
-              <a:ext uri="{FF2B5EF4-FFF2-40B4-BE49-F238E27FC236}">
-                <a16:creationId xmlns:a16="http://schemas.microsoft.com/office/drawing/2014/main" id="{142BFA2A-77A0-4F60-A32A-685681C84889}"/>
-              </a:ext>
-              <a:ext uri="{C183D7F6-B498-43B3-948B-1728B52AA6E4}">
-                <adec:decorative xmlns:adec="http://schemas.microsoft.com/office/drawing/2017/decorative" val="1"/>
-              </a:ext>
-            </a:extLst>
-          </p:cNvPr>
-          <p:cNvSpPr>
-            <a:spLocks noGrp="1" noRot="1" noChangeAspect="1" noMove="1" noResize="1" noEditPoints="1" noAdjustHandles="1" noChangeArrowheads="1" noChangeShapeType="1" noTextEdit="1"/>
-          </p:cNvSpPr>
-          <p:nvPr>
-            <p:extLst>
-              <p:ext uri="{386F3935-93C4-4BCD-93E2-E3B085C9AB24}">
-                <p16:designElem xmlns:p16="http://schemas.microsoft.com/office/powerpoint/2015/main" val="1"/>
-              </p:ext>
-            </p:extLst>
-          </p:nvPr>
-        </p:nvSpPr>
-        <p:spPr>
-          <a:xfrm>
-            <a:off x="5082154" y="-8467"/>
-            <a:ext cx="7109846" cy="6866467"/>
-          </a:xfrm>
-          <a:custGeom>
-            <a:avLst/>
-            <a:gdLst>
-              <a:gd name="connsiteX0" fmla="*/ 0 w 7109846"/>
-              <a:gd name="connsiteY0" fmla="*/ 0 h 6866467"/>
-              <a:gd name="connsiteX1" fmla="*/ 1249825 w 7109846"/>
-              <a:gd name="connsiteY1" fmla="*/ 0 h 6866467"/>
-              <a:gd name="connsiteX2" fmla="*/ 1249825 w 7109846"/>
-              <a:gd name="connsiteY2" fmla="*/ 8467 h 6866467"/>
-              <a:gd name="connsiteX3" fmla="*/ 7109846 w 7109846"/>
-              <a:gd name="connsiteY3" fmla="*/ 8467 h 6866467"/>
-              <a:gd name="connsiteX4" fmla="*/ 7109846 w 7109846"/>
-              <a:gd name="connsiteY4" fmla="*/ 6866467 h 6866467"/>
-              <a:gd name="connsiteX5" fmla="*/ 1249825 w 7109846"/>
-              <a:gd name="connsiteY5" fmla="*/ 6866467 h 6866467"/>
-              <a:gd name="connsiteX6" fmla="*/ 1109382 w 7109846"/>
-              <a:gd name="connsiteY6" fmla="*/ 6866467 h 6866467"/>
-            </a:gdLst>
-            <a:ahLst/>
-            <a:cxnLst>
-              <a:cxn ang="0">
-                <a:pos x="connsiteX0" y="connsiteY0"/>
-              </a:cxn>
-              <a:cxn ang="0">
-                <a:pos x="connsiteX1" y="connsiteY1"/>
-              </a:cxn>
-              <a:cxn ang="0">
-                <a:pos x="connsiteX2" y="connsiteY2"/>
-              </a:cxn>
-              <a:cxn ang="0">
-                <a:pos x="connsiteX3" y="connsiteY3"/>
-              </a:cxn>
-              <a:cxn ang="0">
-                <a:pos x="connsiteX4" y="connsiteY4"/>
-              </a:cxn>
-              <a:cxn ang="0">
-                <a:pos x="connsiteX5" y="connsiteY5"/>
-              </a:cxn>
-              <a:cxn ang="0">
-                <a:pos x="connsiteX6" y="connsiteY6"/>
-              </a:cxn>
-            </a:cxnLst>
-            <a:rect l="l" t="t" r="r" b="b"/>
-            <a:pathLst>
-              <a:path w="7109846" h="6866467">
-                <a:moveTo>
-                  <a:pt x="0" y="0"/>
-                </a:moveTo>
-                <a:lnTo>
-                  <a:pt x="1249825" y="0"/>
-                </a:lnTo>
-                <a:lnTo>
-                  <a:pt x="1249825" y="8467"/>
-                </a:lnTo>
-                <a:lnTo>
-                  <a:pt x="7109846" y="8467"/>
-                </a:lnTo>
-                <a:lnTo>
-                  <a:pt x="7109846" y="6866467"/>
-                </a:lnTo>
-                <a:lnTo>
-                  <a:pt x="1249825" y="6866467"/>
-                </a:lnTo>
-                <a:lnTo>
-                  <a:pt x="1109382" y="6866467"/>
-                </a:lnTo>
-                <a:close/>
-              </a:path>
-            </a:pathLst>
-          </a:custGeom>
-          <a:solidFill>
-            <a:schemeClr val="accent2"/>
-          </a:solidFill>
-          <a:ln>
-            <a:noFill/>
-          </a:ln>
-        </p:spPr>
-        <p:style>
-          <a:lnRef idx="2">
-            <a:schemeClr val="accent1">
-              <a:shade val="50000"/>
-            </a:schemeClr>
-          </a:lnRef>
-          <a:fillRef idx="1">
-            <a:schemeClr val="accent1"/>
-          </a:fillRef>
-          <a:effectRef idx="0">
-            <a:schemeClr val="accent1"/>
-          </a:effectRef>
-          <a:fontRef idx="minor">
-            <a:schemeClr val="lt1"/>
-          </a:fontRef>
-        </p:style>
-        <p:txBody>
-          <a:bodyPr wrap="square" rtlCol="0" anchor="ctr">
-            <a:noAutofit/>
-          </a:bodyPr>
-          <a:lstStyle/>
-          <a:p>
-            <a:pPr algn="ctr"/>
-            <a:endParaRPr lang="en-US"/>
-          </a:p>
-        </p:txBody>
-      </p:sp>
       <p:sp>
         <p:nvSpPr>
           <p:cNvPr id="2" name="Title 1">
@@ -15056,7 +14113,7 @@
           <a:lstStyle/>
           <a:p>
             <a:r>
-              <a:rPr lang="en-IE">
+              <a:rPr lang="en-IE" dirty="0">
                 <a:solidFill>
                   <a:srgbClr val="FFFFFF"/>
                 </a:solidFill>
@@ -15065,7 +14122,7 @@
             </a:r>
           </a:p>
           <a:p>
-            <a:endParaRPr lang="en-IE">
+            <a:endParaRPr lang="en-IE" dirty="0">
               <a:solidFill>
                 <a:srgbClr val="FFFFFF"/>
               </a:solidFill>
@@ -15073,7 +14130,7 @@
           </a:p>
           <a:p>
             <a:r>
-              <a:rPr lang="en-IE">
+              <a:rPr lang="en-IE" dirty="0">
                 <a:solidFill>
                   <a:srgbClr val="FFFFFF"/>
                 </a:solidFill>
@@ -15084,7 +14141,7 @@
           <a:p>
             <a:pPr lvl="1"/>
             <a:r>
-              <a:rPr lang="en-IE">
+              <a:rPr lang="en-IE" dirty="0">
                 <a:solidFill>
                   <a:srgbClr val="FFFFFF"/>
                 </a:solidFill>
@@ -15095,7 +14152,7 @@
           <a:p>
             <a:pPr lvl="1"/>
             <a:r>
-              <a:rPr lang="en-IE">
+              <a:rPr lang="en-IE" dirty="0">
                 <a:solidFill>
                   <a:srgbClr val="FFFFFF"/>
                 </a:solidFill>
@@ -15143,66 +14200,6 @@
           <a:chExt cx="0" cy="0"/>
         </a:xfrm>
       </p:grpSpPr>
-      <p:sp useBgFill="1">
-        <p:nvSpPr>
-          <p:cNvPr id="9" name="Rectangle 8">
-            <a:extLst>
-              <a:ext uri="{FF2B5EF4-FFF2-40B4-BE49-F238E27FC236}">
-                <a16:creationId xmlns:a16="http://schemas.microsoft.com/office/drawing/2014/main" id="{1DA27254-207B-4B52-973B-03A6D7C253A8}"/>
-              </a:ext>
-              <a:ext uri="{C183D7F6-B498-43B3-948B-1728B52AA6E4}">
-                <adec:decorative xmlns:adec="http://schemas.microsoft.com/office/drawing/2017/decorative" val="1"/>
-              </a:ext>
-            </a:extLst>
-          </p:cNvPr>
-          <p:cNvSpPr>
-            <a:spLocks noGrp="1" noRot="1" noChangeAspect="1" noMove="1" noResize="1" noEditPoints="1" noAdjustHandles="1" noChangeArrowheads="1" noChangeShapeType="1" noTextEdit="1"/>
-          </p:cNvSpPr>
-          <p:nvPr>
-            <p:extLst>
-              <p:ext uri="{386F3935-93C4-4BCD-93E2-E3B085C9AB24}">
-                <p16:designElem xmlns:p16="http://schemas.microsoft.com/office/powerpoint/2015/main" val="1"/>
-              </p:ext>
-            </p:extLst>
-          </p:nvPr>
-        </p:nvSpPr>
-        <p:spPr>
-          <a:xfrm>
-            <a:off x="0" y="0"/>
-            <a:ext cx="12192000" cy="6858000"/>
-          </a:xfrm>
-          <a:prstGeom prst="rect">
-            <a:avLst/>
-          </a:prstGeom>
-          <a:ln>
-            <a:noFill/>
-          </a:ln>
-        </p:spPr>
-        <p:style>
-          <a:lnRef idx="2">
-            <a:schemeClr val="accent1">
-              <a:shade val="50000"/>
-            </a:schemeClr>
-          </a:lnRef>
-          <a:fillRef idx="1">
-            <a:schemeClr val="accent1"/>
-          </a:fillRef>
-          <a:effectRef idx="0">
-            <a:schemeClr val="accent1"/>
-          </a:effectRef>
-          <a:fontRef idx="minor">
-            <a:schemeClr val="lt1"/>
-          </a:fontRef>
-        </p:style>
-        <p:txBody>
-          <a:bodyPr rtlCol="0" anchor="ctr"/>
-          <a:lstStyle/>
-          <a:p>
-            <a:pPr algn="ctr"/>
-            <a:endParaRPr lang="en-US"/>
-          </a:p>
-        </p:txBody>
-      </p:sp>
       <p:sp>
         <p:nvSpPr>
           <p:cNvPr id="2" name="Title 1">
@@ -15239,707 +14236,6 @@
               </a:rPr>
               <a:t>My Findings from Semester 1</a:t>
             </a:r>
-          </a:p>
-        </p:txBody>
-      </p:sp>
-      <p:grpSp>
-        <p:nvGrpSpPr>
-          <p:cNvPr id="11" name="Group 10">
-            <a:extLst>
-              <a:ext uri="{FF2B5EF4-FFF2-40B4-BE49-F238E27FC236}">
-                <a16:creationId xmlns:a16="http://schemas.microsoft.com/office/drawing/2014/main" id="{AE3358E8-FEB4-4E5C-903A-92C75E6BDD18}"/>
-              </a:ext>
-              <a:ext uri="{C183D7F6-B498-43B3-948B-1728B52AA6E4}">
-                <adec:decorative xmlns:adec="http://schemas.microsoft.com/office/drawing/2017/decorative" val="1"/>
-              </a:ext>
-            </a:extLst>
-          </p:cNvPr>
-          <p:cNvGrpSpPr>
-            <a:grpSpLocks noGrp="1" noUngrp="1" noRot="1" noChangeAspect="1" noMove="1" noResize="1"/>
-          </p:cNvGrpSpPr>
-          <p:nvPr>
-            <p:extLst>
-              <p:ext uri="{386F3935-93C4-4BCD-93E2-E3B085C9AB24}">
-                <p16:designElem xmlns:p16="http://schemas.microsoft.com/office/powerpoint/2015/main" val="1"/>
-              </p:ext>
-            </p:extLst>
-          </p:nvPr>
-        </p:nvGrpSpPr>
-        <p:grpSpPr>
-          <a:xfrm>
-            <a:off x="1329267" y="-8467"/>
-            <a:ext cx="4766733" cy="6866467"/>
-            <a:chOff x="7425267" y="-8467"/>
-            <a:chExt cx="4766733" cy="6866467"/>
-          </a:xfrm>
-        </p:grpSpPr>
-        <p:cxnSp>
-          <p:nvCxnSpPr>
-            <p:cNvPr id="12" name="Straight Connector 11">
-              <a:extLst>
-                <a:ext uri="{FF2B5EF4-FFF2-40B4-BE49-F238E27FC236}">
-                  <a16:creationId xmlns:a16="http://schemas.microsoft.com/office/drawing/2014/main" id="{65FE9BA5-5847-4FF3-960A-4E3AC28E3756}"/>
-                </a:ext>
-                <a:ext uri="{C183D7F6-B498-43B3-948B-1728B52AA6E4}">
-                  <adec:decorative xmlns:adec="http://schemas.microsoft.com/office/drawing/2017/decorative" val="1"/>
-                </a:ext>
-              </a:extLst>
-            </p:cNvPr>
-            <p:cNvCxnSpPr/>
-            <p:nvPr>
-              <p:extLst>
-                <p:ext uri="{386F3935-93C4-4BCD-93E2-E3B085C9AB24}">
-                  <p16:designElem xmlns:p16="http://schemas.microsoft.com/office/powerpoint/2015/main" val="1"/>
-                </p:ext>
-              </p:extLst>
-            </p:nvPr>
-          </p:nvCxnSpPr>
-          <p:spPr>
-            <a:xfrm>
-              <a:off x="9371012" y="0"/>
-              <a:ext cx="1219200" cy="6858000"/>
-            </a:xfrm>
-            <a:prstGeom prst="line">
-              <a:avLst/>
-            </a:prstGeom>
-            <a:ln w="9525">
-              <a:solidFill>
-                <a:srgbClr val="BFBFBF">
-                  <a:alpha val="75000"/>
-                </a:srgbClr>
-              </a:solidFill>
-            </a:ln>
-          </p:spPr>
-          <p:style>
-            <a:lnRef idx="2">
-              <a:schemeClr val="accent1"/>
-            </a:lnRef>
-            <a:fillRef idx="0">
-              <a:schemeClr val="accent1"/>
-            </a:fillRef>
-            <a:effectRef idx="1">
-              <a:schemeClr val="accent1"/>
-            </a:effectRef>
-            <a:fontRef idx="minor">
-              <a:schemeClr val="tx1"/>
-            </a:fontRef>
-          </p:style>
-        </p:cxnSp>
-        <p:cxnSp>
-          <p:nvCxnSpPr>
-            <p:cNvPr id="13" name="Straight Connector 12">
-              <a:extLst>
-                <a:ext uri="{FF2B5EF4-FFF2-40B4-BE49-F238E27FC236}">
-                  <a16:creationId xmlns:a16="http://schemas.microsoft.com/office/drawing/2014/main" id="{76D98C19-CACB-4DEB-9AA7-5E1D776DBCE9}"/>
-                </a:ext>
-                <a:ext uri="{C183D7F6-B498-43B3-948B-1728B52AA6E4}">
-                  <adec:decorative xmlns:adec="http://schemas.microsoft.com/office/drawing/2017/decorative" val="1"/>
-                </a:ext>
-              </a:extLst>
-            </p:cNvPr>
-            <p:cNvCxnSpPr/>
-            <p:nvPr>
-              <p:extLst>
-                <p:ext uri="{386F3935-93C4-4BCD-93E2-E3B085C9AB24}">
-                  <p16:designElem xmlns:p16="http://schemas.microsoft.com/office/powerpoint/2015/main" val="1"/>
-                </p:ext>
-              </p:extLst>
-            </p:nvPr>
-          </p:nvCxnSpPr>
-          <p:spPr>
-            <a:xfrm flipH="1">
-              <a:off x="7425267" y="3681413"/>
-              <a:ext cx="4763558" cy="3176587"/>
-            </a:xfrm>
-            <a:prstGeom prst="line">
-              <a:avLst/>
-            </a:prstGeom>
-            <a:ln w="9525">
-              <a:solidFill>
-                <a:srgbClr val="BFBFBF">
-                  <a:alpha val="80000"/>
-                </a:srgbClr>
-              </a:solidFill>
-            </a:ln>
-          </p:spPr>
-          <p:style>
-            <a:lnRef idx="2">
-              <a:schemeClr val="accent1"/>
-            </a:lnRef>
-            <a:fillRef idx="0">
-              <a:schemeClr val="accent1"/>
-            </a:fillRef>
-            <a:effectRef idx="1">
-              <a:schemeClr val="accent1"/>
-            </a:effectRef>
-            <a:fontRef idx="minor">
-              <a:schemeClr val="tx1"/>
-            </a:fontRef>
-          </p:style>
-        </p:cxnSp>
-        <p:sp>
-          <p:nvSpPr>
-            <p:cNvPr id="14" name="Rectangle 23">
-              <a:extLst>
-                <a:ext uri="{FF2B5EF4-FFF2-40B4-BE49-F238E27FC236}">
-                  <a16:creationId xmlns:a16="http://schemas.microsoft.com/office/drawing/2014/main" id="{8EA0C28F-AA7D-46C7-8D8A-CE97E7EB0712}"/>
-                </a:ext>
-                <a:ext uri="{C183D7F6-B498-43B3-948B-1728B52AA6E4}">
-                  <adec:decorative xmlns:adec="http://schemas.microsoft.com/office/drawing/2017/decorative" val="1"/>
-                </a:ext>
-              </a:extLst>
-            </p:cNvPr>
-            <p:cNvSpPr/>
-            <p:nvPr>
-              <p:extLst>
-                <p:ext uri="{386F3935-93C4-4BCD-93E2-E3B085C9AB24}">
-                  <p16:designElem xmlns:p16="http://schemas.microsoft.com/office/powerpoint/2015/main" val="1"/>
-                </p:ext>
-              </p:extLst>
-            </p:nvPr>
-          </p:nvSpPr>
-          <p:spPr>
-            <a:xfrm>
-              <a:off x="9181476" y="-8467"/>
-              <a:ext cx="3007349" cy="6866467"/>
-            </a:xfrm>
-            <a:custGeom>
-              <a:avLst/>
-              <a:gdLst/>
-              <a:ahLst/>
-              <a:cxnLst/>
-              <a:rect l="l" t="t" r="r" b="b"/>
-              <a:pathLst>
-                <a:path w="3007349" h="6866467">
-                  <a:moveTo>
-                    <a:pt x="2045532" y="0"/>
-                  </a:moveTo>
-                  <a:lnTo>
-                    <a:pt x="3007349" y="0"/>
-                  </a:lnTo>
-                  <a:lnTo>
-                    <a:pt x="3007349" y="6866467"/>
-                  </a:lnTo>
-                  <a:lnTo>
-                    <a:pt x="0" y="6866467"/>
-                  </a:lnTo>
-                  <a:lnTo>
-                    <a:pt x="2045532" y="0"/>
-                  </a:lnTo>
-                  <a:close/>
-                </a:path>
-              </a:pathLst>
-            </a:custGeom>
-            <a:solidFill>
-              <a:schemeClr val="accent1">
-                <a:alpha val="30000"/>
-              </a:schemeClr>
-            </a:solidFill>
-            <a:ln>
-              <a:noFill/>
-            </a:ln>
-            <a:effectLst/>
-          </p:spPr>
-          <p:style>
-            <a:lnRef idx="1">
-              <a:schemeClr val="accent1"/>
-            </a:lnRef>
-            <a:fillRef idx="3">
-              <a:schemeClr val="accent1"/>
-            </a:fillRef>
-            <a:effectRef idx="2">
-              <a:schemeClr val="accent1"/>
-            </a:effectRef>
-            <a:fontRef idx="minor">
-              <a:schemeClr val="lt1"/>
-            </a:fontRef>
-          </p:style>
-        </p:sp>
-        <p:sp>
-          <p:nvSpPr>
-            <p:cNvPr id="15" name="Rectangle 25">
-              <a:extLst>
-                <a:ext uri="{FF2B5EF4-FFF2-40B4-BE49-F238E27FC236}">
-                  <a16:creationId xmlns:a16="http://schemas.microsoft.com/office/drawing/2014/main" id="{50B7A449-3821-4275-97E9-6B1FF91DE1EA}"/>
-                </a:ext>
-                <a:ext uri="{C183D7F6-B498-43B3-948B-1728B52AA6E4}">
-                  <adec:decorative xmlns:adec="http://schemas.microsoft.com/office/drawing/2017/decorative" val="1"/>
-                </a:ext>
-              </a:extLst>
-            </p:cNvPr>
-            <p:cNvSpPr/>
-            <p:nvPr>
-              <p:extLst>
-                <p:ext uri="{386F3935-93C4-4BCD-93E2-E3B085C9AB24}">
-                  <p16:designElem xmlns:p16="http://schemas.microsoft.com/office/powerpoint/2015/main" val="1"/>
-                </p:ext>
-              </p:extLst>
-            </p:nvPr>
-          </p:nvSpPr>
-          <p:spPr>
-            <a:xfrm>
-              <a:off x="9603442" y="-8467"/>
-              <a:ext cx="2588558" cy="6866467"/>
-            </a:xfrm>
-            <a:custGeom>
-              <a:avLst/>
-              <a:gdLst/>
-              <a:ahLst/>
-              <a:cxnLst/>
-              <a:rect l="l" t="t" r="r" b="b"/>
-              <a:pathLst>
-                <a:path w="2573311" h="6866467">
-                  <a:moveTo>
-                    <a:pt x="0" y="0"/>
-                  </a:moveTo>
-                  <a:lnTo>
-                    <a:pt x="2573311" y="0"/>
-                  </a:lnTo>
-                  <a:lnTo>
-                    <a:pt x="2573311" y="6866467"/>
-                  </a:lnTo>
-                  <a:lnTo>
-                    <a:pt x="1202336" y="6866467"/>
-                  </a:lnTo>
-                  <a:lnTo>
-                    <a:pt x="0" y="0"/>
-                  </a:lnTo>
-                  <a:close/>
-                </a:path>
-              </a:pathLst>
-            </a:custGeom>
-            <a:solidFill>
-              <a:schemeClr val="accent1">
-                <a:alpha val="20000"/>
-              </a:schemeClr>
-            </a:solidFill>
-            <a:ln>
-              <a:noFill/>
-            </a:ln>
-            <a:effectLst/>
-          </p:spPr>
-          <p:style>
-            <a:lnRef idx="1">
-              <a:schemeClr val="accent1"/>
-            </a:lnRef>
-            <a:fillRef idx="3">
-              <a:schemeClr val="accent1"/>
-            </a:fillRef>
-            <a:effectRef idx="2">
-              <a:schemeClr val="accent1"/>
-            </a:effectRef>
-            <a:fontRef idx="minor">
-              <a:schemeClr val="lt1"/>
-            </a:fontRef>
-          </p:style>
-        </p:sp>
-        <p:sp>
-          <p:nvSpPr>
-            <p:cNvPr id="16" name="Isosceles Triangle 15">
-              <a:extLst>
-                <a:ext uri="{FF2B5EF4-FFF2-40B4-BE49-F238E27FC236}">
-                  <a16:creationId xmlns:a16="http://schemas.microsoft.com/office/drawing/2014/main" id="{D15285ED-C1E9-4539-9551-2D9D3B897DBB}"/>
-                </a:ext>
-                <a:ext uri="{C183D7F6-B498-43B3-948B-1728B52AA6E4}">
-                  <adec:decorative xmlns:adec="http://schemas.microsoft.com/office/drawing/2017/decorative" val="1"/>
-                </a:ext>
-              </a:extLst>
-            </p:cNvPr>
-            <p:cNvSpPr/>
-            <p:nvPr>
-              <p:extLst>
-                <p:ext uri="{386F3935-93C4-4BCD-93E2-E3B085C9AB24}">
-                  <p16:designElem xmlns:p16="http://schemas.microsoft.com/office/powerpoint/2015/main" val="1"/>
-                </p:ext>
-              </p:extLst>
-            </p:nvPr>
-          </p:nvSpPr>
-          <p:spPr>
-            <a:xfrm>
-              <a:off x="8932333" y="3048000"/>
-              <a:ext cx="3259667" cy="3810000"/>
-            </a:xfrm>
-            <a:prstGeom prst="triangle">
-              <a:avLst>
-                <a:gd name="adj" fmla="val 100000"/>
-              </a:avLst>
-            </a:prstGeom>
-            <a:solidFill>
-              <a:schemeClr val="accent2">
-                <a:alpha val="72000"/>
-              </a:schemeClr>
-            </a:solidFill>
-            <a:ln>
-              <a:noFill/>
-            </a:ln>
-            <a:effectLst/>
-          </p:spPr>
-          <p:style>
-            <a:lnRef idx="1">
-              <a:schemeClr val="accent1"/>
-            </a:lnRef>
-            <a:fillRef idx="3">
-              <a:schemeClr val="accent1"/>
-            </a:fillRef>
-            <a:effectRef idx="2">
-              <a:schemeClr val="accent1"/>
-            </a:effectRef>
-            <a:fontRef idx="minor">
-              <a:schemeClr val="lt1"/>
-            </a:fontRef>
-          </p:style>
-        </p:sp>
-        <p:sp>
-          <p:nvSpPr>
-            <p:cNvPr id="17" name="Rectangle 27">
-              <a:extLst>
-                <a:ext uri="{FF2B5EF4-FFF2-40B4-BE49-F238E27FC236}">
-                  <a16:creationId xmlns:a16="http://schemas.microsoft.com/office/drawing/2014/main" id="{A57A772B-029C-402F-8961-04AD1B611248}"/>
-                </a:ext>
-                <a:ext uri="{C183D7F6-B498-43B3-948B-1728B52AA6E4}">
-                  <adec:decorative xmlns:adec="http://schemas.microsoft.com/office/drawing/2017/decorative" val="1"/>
-                </a:ext>
-              </a:extLst>
-            </p:cNvPr>
-            <p:cNvSpPr/>
-            <p:nvPr>
-              <p:extLst>
-                <p:ext uri="{386F3935-93C4-4BCD-93E2-E3B085C9AB24}">
-                  <p16:designElem xmlns:p16="http://schemas.microsoft.com/office/powerpoint/2015/main" val="1"/>
-                </p:ext>
-              </p:extLst>
-            </p:nvPr>
-          </p:nvSpPr>
-          <p:spPr>
-            <a:xfrm>
-              <a:off x="9334500" y="-8467"/>
-              <a:ext cx="2854326" cy="6866467"/>
-            </a:xfrm>
-            <a:custGeom>
-              <a:avLst/>
-              <a:gdLst/>
-              <a:ahLst/>
-              <a:cxnLst/>
-              <a:rect l="l" t="t" r="r" b="b"/>
-              <a:pathLst>
-                <a:path w="2858013" h="6866467">
-                  <a:moveTo>
-                    <a:pt x="0" y="0"/>
-                  </a:moveTo>
-                  <a:lnTo>
-                    <a:pt x="2858013" y="0"/>
-                  </a:lnTo>
-                  <a:lnTo>
-                    <a:pt x="2858013" y="6866467"/>
-                  </a:lnTo>
-                  <a:lnTo>
-                    <a:pt x="2473942" y="6866467"/>
-                  </a:lnTo>
-                  <a:lnTo>
-                    <a:pt x="0" y="0"/>
-                  </a:lnTo>
-                  <a:close/>
-                </a:path>
-              </a:pathLst>
-            </a:custGeom>
-            <a:solidFill>
-              <a:schemeClr val="accent2">
-                <a:lumMod val="75000"/>
-                <a:alpha val="70000"/>
-              </a:schemeClr>
-            </a:solidFill>
-            <a:ln>
-              <a:noFill/>
-            </a:ln>
-            <a:effectLst/>
-          </p:spPr>
-          <p:style>
-            <a:lnRef idx="1">
-              <a:schemeClr val="accent1"/>
-            </a:lnRef>
-            <a:fillRef idx="3">
-              <a:schemeClr val="accent1"/>
-            </a:fillRef>
-            <a:effectRef idx="2">
-              <a:schemeClr val="accent1"/>
-            </a:effectRef>
-            <a:fontRef idx="minor">
-              <a:schemeClr val="lt1"/>
-            </a:fontRef>
-          </p:style>
-        </p:sp>
-        <p:sp>
-          <p:nvSpPr>
-            <p:cNvPr id="18" name="Rectangle 28">
-              <a:extLst>
-                <a:ext uri="{FF2B5EF4-FFF2-40B4-BE49-F238E27FC236}">
-                  <a16:creationId xmlns:a16="http://schemas.microsoft.com/office/drawing/2014/main" id="{43A98072-A351-47FB-8807-1EEDBF77E34C}"/>
-                </a:ext>
-                <a:ext uri="{C183D7F6-B498-43B3-948B-1728B52AA6E4}">
-                  <adec:decorative xmlns:adec="http://schemas.microsoft.com/office/drawing/2017/decorative" val="1"/>
-                </a:ext>
-              </a:extLst>
-            </p:cNvPr>
-            <p:cNvSpPr/>
-            <p:nvPr>
-              <p:extLst>
-                <p:ext uri="{386F3935-93C4-4BCD-93E2-E3B085C9AB24}">
-                  <p16:designElem xmlns:p16="http://schemas.microsoft.com/office/powerpoint/2015/main" val="1"/>
-                </p:ext>
-              </p:extLst>
-            </p:nvPr>
-          </p:nvSpPr>
-          <p:spPr>
-            <a:xfrm>
-              <a:off x="10898730" y="-8467"/>
-              <a:ext cx="1290094" cy="6866467"/>
-            </a:xfrm>
-            <a:custGeom>
-              <a:avLst/>
-              <a:gdLst/>
-              <a:ahLst/>
-              <a:cxnLst/>
-              <a:rect l="l" t="t" r="r" b="b"/>
-              <a:pathLst>
-                <a:path w="1290094" h="6858000">
-                  <a:moveTo>
-                    <a:pt x="1019735" y="0"/>
-                  </a:moveTo>
-                  <a:lnTo>
-                    <a:pt x="1290094" y="0"/>
-                  </a:lnTo>
-                  <a:lnTo>
-                    <a:pt x="1290094" y="6858000"/>
-                  </a:lnTo>
-                  <a:lnTo>
-                    <a:pt x="0" y="6858000"/>
-                  </a:lnTo>
-                  <a:lnTo>
-                    <a:pt x="1019735" y="0"/>
-                  </a:lnTo>
-                  <a:close/>
-                </a:path>
-              </a:pathLst>
-            </a:custGeom>
-            <a:solidFill>
-              <a:schemeClr val="accent1">
-                <a:lumMod val="60000"/>
-                <a:lumOff val="40000"/>
-                <a:alpha val="70000"/>
-              </a:schemeClr>
-            </a:solidFill>
-            <a:ln>
-              <a:noFill/>
-            </a:ln>
-            <a:effectLst/>
-          </p:spPr>
-          <p:style>
-            <a:lnRef idx="1">
-              <a:schemeClr val="accent1"/>
-            </a:lnRef>
-            <a:fillRef idx="3">
-              <a:schemeClr val="accent1"/>
-            </a:fillRef>
-            <a:effectRef idx="2">
-              <a:schemeClr val="accent1"/>
-            </a:effectRef>
-            <a:fontRef idx="minor">
-              <a:schemeClr val="lt1"/>
-            </a:fontRef>
-          </p:style>
-        </p:sp>
-        <p:sp>
-          <p:nvSpPr>
-            <p:cNvPr id="19" name="Rectangle 29">
-              <a:extLst>
-                <a:ext uri="{FF2B5EF4-FFF2-40B4-BE49-F238E27FC236}">
-                  <a16:creationId xmlns:a16="http://schemas.microsoft.com/office/drawing/2014/main" id="{3BC2C561-1ADE-495B-A04A-92DE414F5D56}"/>
-                </a:ext>
-                <a:ext uri="{C183D7F6-B498-43B3-948B-1728B52AA6E4}">
-                  <adec:decorative xmlns:adec="http://schemas.microsoft.com/office/drawing/2017/decorative" val="1"/>
-                </a:ext>
-              </a:extLst>
-            </p:cNvPr>
-            <p:cNvSpPr/>
-            <p:nvPr>
-              <p:extLst>
-                <p:ext uri="{386F3935-93C4-4BCD-93E2-E3B085C9AB24}">
-                  <p16:designElem xmlns:p16="http://schemas.microsoft.com/office/powerpoint/2015/main" val="1"/>
-                </p:ext>
-              </p:extLst>
-            </p:nvPr>
-          </p:nvSpPr>
-          <p:spPr>
-            <a:xfrm>
-              <a:off x="10938999" y="-8467"/>
-              <a:ext cx="1249825" cy="6866467"/>
-            </a:xfrm>
-            <a:custGeom>
-              <a:avLst/>
-              <a:gdLst/>
-              <a:ahLst/>
-              <a:cxnLst/>
-              <a:rect l="l" t="t" r="r" b="b"/>
-              <a:pathLst>
-                <a:path w="1249825" h="6858000">
-                  <a:moveTo>
-                    <a:pt x="0" y="0"/>
-                  </a:moveTo>
-                  <a:lnTo>
-                    <a:pt x="1249825" y="0"/>
-                  </a:lnTo>
-                  <a:lnTo>
-                    <a:pt x="1249825" y="6858000"/>
-                  </a:lnTo>
-                  <a:lnTo>
-                    <a:pt x="1109382" y="6858000"/>
-                  </a:lnTo>
-                  <a:lnTo>
-                    <a:pt x="0" y="0"/>
-                  </a:lnTo>
-                  <a:close/>
-                </a:path>
-              </a:pathLst>
-            </a:custGeom>
-            <a:solidFill>
-              <a:schemeClr val="accent1">
-                <a:alpha val="65000"/>
-              </a:schemeClr>
-            </a:solidFill>
-            <a:ln>
-              <a:noFill/>
-            </a:ln>
-            <a:effectLst/>
-          </p:spPr>
-          <p:style>
-            <a:lnRef idx="1">
-              <a:schemeClr val="accent1"/>
-            </a:lnRef>
-            <a:fillRef idx="3">
-              <a:schemeClr val="accent1"/>
-            </a:fillRef>
-            <a:effectRef idx="2">
-              <a:schemeClr val="accent1"/>
-            </a:effectRef>
-            <a:fontRef idx="minor">
-              <a:schemeClr val="lt1"/>
-            </a:fontRef>
-          </p:style>
-        </p:sp>
-        <p:sp>
-          <p:nvSpPr>
-            <p:cNvPr id="20" name="Isosceles Triangle 19">
-              <a:extLst>
-                <a:ext uri="{FF2B5EF4-FFF2-40B4-BE49-F238E27FC236}">
-                  <a16:creationId xmlns:a16="http://schemas.microsoft.com/office/drawing/2014/main" id="{FE633B79-4994-47EC-9479-56BA3E3A5808}"/>
-                </a:ext>
-                <a:ext uri="{C183D7F6-B498-43B3-948B-1728B52AA6E4}">
-                  <adec:decorative xmlns:adec="http://schemas.microsoft.com/office/drawing/2017/decorative" val="1"/>
-                </a:ext>
-              </a:extLst>
-            </p:cNvPr>
-            <p:cNvSpPr/>
-            <p:nvPr>
-              <p:extLst>
-                <p:ext uri="{386F3935-93C4-4BCD-93E2-E3B085C9AB24}">
-                  <p16:designElem xmlns:p16="http://schemas.microsoft.com/office/powerpoint/2015/main" val="1"/>
-                </p:ext>
-              </p:extLst>
-            </p:nvPr>
-          </p:nvSpPr>
-          <p:spPr>
-            <a:xfrm>
-              <a:off x="10371666" y="3589867"/>
-              <a:ext cx="1817159" cy="3268133"/>
-            </a:xfrm>
-            <a:prstGeom prst="triangle">
-              <a:avLst>
-                <a:gd name="adj" fmla="val 100000"/>
-              </a:avLst>
-            </a:prstGeom>
-            <a:solidFill>
-              <a:schemeClr val="accent1">
-                <a:alpha val="80000"/>
-              </a:schemeClr>
-            </a:solidFill>
-            <a:ln>
-              <a:noFill/>
-            </a:ln>
-            <a:effectLst/>
-          </p:spPr>
-          <p:style>
-            <a:lnRef idx="1">
-              <a:schemeClr val="accent1"/>
-            </a:lnRef>
-            <a:fillRef idx="3">
-              <a:schemeClr val="accent1"/>
-            </a:fillRef>
-            <a:effectRef idx="2">
-              <a:schemeClr val="accent1"/>
-            </a:effectRef>
-            <a:fontRef idx="minor">
-              <a:schemeClr val="lt1"/>
-            </a:fontRef>
-          </p:style>
-        </p:sp>
-      </p:grpSp>
-      <p:sp>
-        <p:nvSpPr>
-          <p:cNvPr id="22" name="Rectangle 21">
-            <a:extLst>
-              <a:ext uri="{FF2B5EF4-FFF2-40B4-BE49-F238E27FC236}">
-                <a16:creationId xmlns:a16="http://schemas.microsoft.com/office/drawing/2014/main" id="{D6188152-70CA-4742-AA0D-863A7FDB4793}"/>
-              </a:ext>
-              <a:ext uri="{C183D7F6-B498-43B3-948B-1728B52AA6E4}">
-                <adec:decorative xmlns:adec="http://schemas.microsoft.com/office/drawing/2017/decorative" val="1"/>
-              </a:ext>
-            </a:extLst>
-          </p:cNvPr>
-          <p:cNvSpPr>
-            <a:spLocks noGrp="1" noRot="1" noChangeAspect="1" noMove="1" noResize="1" noEditPoints="1" noAdjustHandles="1" noChangeArrowheads="1" noChangeShapeType="1" noTextEdit="1"/>
-          </p:cNvSpPr>
-          <p:nvPr>
-            <p:extLst>
-              <p:ext uri="{386F3935-93C4-4BCD-93E2-E3B085C9AB24}">
-                <p16:designElem xmlns:p16="http://schemas.microsoft.com/office/powerpoint/2015/main" val="1"/>
-              </p:ext>
-            </p:extLst>
-          </p:nvPr>
-        </p:nvSpPr>
-        <p:spPr>
-          <a:xfrm>
-            <a:off x="5977719" y="0"/>
-            <a:ext cx="6214281" cy="6858000"/>
-          </a:xfrm>
-          <a:prstGeom prst="rect">
-            <a:avLst/>
-          </a:prstGeom>
-          <a:ln>
-            <a:noFill/>
-          </a:ln>
-        </p:spPr>
-        <p:style>
-          <a:lnRef idx="2">
-            <a:schemeClr val="accent1">
-              <a:shade val="50000"/>
-            </a:schemeClr>
-          </a:lnRef>
-          <a:fillRef idx="1">
-            <a:schemeClr val="accent1"/>
-          </a:fillRef>
-          <a:effectRef idx="0">
-            <a:schemeClr val="accent1"/>
-          </a:effectRef>
-          <a:fontRef idx="minor">
-            <a:schemeClr val="lt1"/>
-          </a:fontRef>
-        </p:style>
-        <p:txBody>
-          <a:bodyPr rtlCol="0" anchor="ctr"/>
-          <a:lstStyle/>
-          <a:p>
-            <a:pPr algn="ctr"/>
-            <a:endParaRPr lang="en-US"/>
           </a:p>
         </p:txBody>
       </p:sp>
@@ -16012,705 +14308,6 @@
           <a:chExt cx="0" cy="0"/>
         </a:xfrm>
       </p:grpSpPr>
-      <p:grpSp>
-        <p:nvGrpSpPr>
-          <p:cNvPr id="9" name="Group 8">
-            <a:extLst>
-              <a:ext uri="{FF2B5EF4-FFF2-40B4-BE49-F238E27FC236}">
-                <a16:creationId xmlns:a16="http://schemas.microsoft.com/office/drawing/2014/main" id="{E0BF35CA-8AA0-428F-ABED-5B77A6C39154}"/>
-              </a:ext>
-              <a:ext uri="{C183D7F6-B498-43B3-948B-1728B52AA6E4}">
-                <adec:decorative xmlns:adec="http://schemas.microsoft.com/office/drawing/2017/decorative" val="1"/>
-              </a:ext>
-            </a:extLst>
-          </p:cNvPr>
-          <p:cNvGrpSpPr>
-            <a:grpSpLocks noGrp="1" noUngrp="1" noRot="1" noChangeAspect="1" noMove="1" noResize="1"/>
-          </p:cNvGrpSpPr>
-          <p:nvPr>
-            <p:extLst>
-              <p:ext uri="{386F3935-93C4-4BCD-93E2-E3B085C9AB24}">
-                <p16:designElem xmlns:p16="http://schemas.microsoft.com/office/powerpoint/2015/main" val="1"/>
-              </p:ext>
-            </p:extLst>
-          </p:nvPr>
-        </p:nvGrpSpPr>
-        <p:grpSpPr>
-          <a:xfrm>
-            <a:off x="0" y="-8467"/>
-            <a:ext cx="12192000" cy="6866467"/>
-            <a:chOff x="0" y="-8467"/>
-            <a:chExt cx="12192000" cy="6866467"/>
-          </a:xfrm>
-        </p:grpSpPr>
-        <p:cxnSp>
-          <p:nvCxnSpPr>
-            <p:cNvPr id="10" name="Straight Connector 9">
-              <a:extLst>
-                <a:ext uri="{FF2B5EF4-FFF2-40B4-BE49-F238E27FC236}">
-                  <a16:creationId xmlns:a16="http://schemas.microsoft.com/office/drawing/2014/main" id="{FA4A156A-791B-4BD9-8452-A798A15D22C1}"/>
-                </a:ext>
-                <a:ext uri="{C183D7F6-B498-43B3-948B-1728B52AA6E4}">
-                  <adec:decorative xmlns:adec="http://schemas.microsoft.com/office/drawing/2017/decorative" val="1"/>
-                </a:ext>
-              </a:extLst>
-            </p:cNvPr>
-            <p:cNvCxnSpPr/>
-            <p:nvPr>
-              <p:extLst>
-                <p:ext uri="{386F3935-93C4-4BCD-93E2-E3B085C9AB24}">
-                  <p16:designElem xmlns:p16="http://schemas.microsoft.com/office/powerpoint/2015/main" val="1"/>
-                </p:ext>
-              </p:extLst>
-            </p:nvPr>
-          </p:nvCxnSpPr>
-          <p:spPr>
-            <a:xfrm>
-              <a:off x="9371012" y="0"/>
-              <a:ext cx="1219200" cy="6858000"/>
-            </a:xfrm>
-            <a:prstGeom prst="line">
-              <a:avLst/>
-            </a:prstGeom>
-            <a:ln w="9525">
-              <a:solidFill>
-                <a:schemeClr val="bg1">
-                  <a:lumMod val="85000"/>
-                  <a:lumOff val="15000"/>
-                </a:schemeClr>
-              </a:solidFill>
-            </a:ln>
-          </p:spPr>
-          <p:style>
-            <a:lnRef idx="2">
-              <a:schemeClr val="accent1"/>
-            </a:lnRef>
-            <a:fillRef idx="0">
-              <a:schemeClr val="accent1"/>
-            </a:fillRef>
-            <a:effectRef idx="1">
-              <a:schemeClr val="accent1"/>
-            </a:effectRef>
-            <a:fontRef idx="minor">
-              <a:schemeClr val="tx1"/>
-            </a:fontRef>
-          </p:style>
-        </p:cxnSp>
-        <p:cxnSp>
-          <p:nvCxnSpPr>
-            <p:cNvPr id="11" name="Straight Connector 10">
-              <a:extLst>
-                <a:ext uri="{FF2B5EF4-FFF2-40B4-BE49-F238E27FC236}">
-                  <a16:creationId xmlns:a16="http://schemas.microsoft.com/office/drawing/2014/main" id="{27652CB1-59D3-4DAB-AD45-8DFB738958E1}"/>
-                </a:ext>
-                <a:ext uri="{C183D7F6-B498-43B3-948B-1728B52AA6E4}">
-                  <adec:decorative xmlns:adec="http://schemas.microsoft.com/office/drawing/2017/decorative" val="1"/>
-                </a:ext>
-              </a:extLst>
-            </p:cNvPr>
-            <p:cNvCxnSpPr/>
-            <p:nvPr>
-              <p:extLst>
-                <p:ext uri="{386F3935-93C4-4BCD-93E2-E3B085C9AB24}">
-                  <p16:designElem xmlns:p16="http://schemas.microsoft.com/office/powerpoint/2015/main" val="1"/>
-                </p:ext>
-              </p:extLst>
-            </p:nvPr>
-          </p:nvCxnSpPr>
-          <p:spPr>
-            <a:xfrm flipH="1">
-              <a:off x="7425267" y="3681413"/>
-              <a:ext cx="4763558" cy="3176587"/>
-            </a:xfrm>
-            <a:prstGeom prst="line">
-              <a:avLst/>
-            </a:prstGeom>
-            <a:ln w="9525">
-              <a:solidFill>
-                <a:schemeClr val="bg1">
-                  <a:lumMod val="85000"/>
-                  <a:lumOff val="15000"/>
-                </a:schemeClr>
-              </a:solidFill>
-            </a:ln>
-          </p:spPr>
-          <p:style>
-            <a:lnRef idx="2">
-              <a:schemeClr val="accent1"/>
-            </a:lnRef>
-            <a:fillRef idx="0">
-              <a:schemeClr val="accent1"/>
-            </a:fillRef>
-            <a:effectRef idx="1">
-              <a:schemeClr val="accent1"/>
-            </a:effectRef>
-            <a:fontRef idx="minor">
-              <a:schemeClr val="tx1"/>
-            </a:fontRef>
-          </p:style>
-        </p:cxnSp>
-        <p:sp>
-          <p:nvSpPr>
-            <p:cNvPr id="12" name="Rectangle 23">
-              <a:extLst>
-                <a:ext uri="{FF2B5EF4-FFF2-40B4-BE49-F238E27FC236}">
-                  <a16:creationId xmlns:a16="http://schemas.microsoft.com/office/drawing/2014/main" id="{83539C1B-883E-4130-95FA-2A6FD3E49A6A}"/>
-                </a:ext>
-                <a:ext uri="{C183D7F6-B498-43B3-948B-1728B52AA6E4}">
-                  <adec:decorative xmlns:adec="http://schemas.microsoft.com/office/drawing/2017/decorative" val="1"/>
-                </a:ext>
-              </a:extLst>
-            </p:cNvPr>
-            <p:cNvSpPr/>
-            <p:nvPr>
-              <p:extLst>
-                <p:ext uri="{386F3935-93C4-4BCD-93E2-E3B085C9AB24}">
-                  <p16:designElem xmlns:p16="http://schemas.microsoft.com/office/powerpoint/2015/main" val="1"/>
-                </p:ext>
-              </p:extLst>
-            </p:nvPr>
-          </p:nvSpPr>
-          <p:spPr>
-            <a:xfrm>
-              <a:off x="9181476" y="-8467"/>
-              <a:ext cx="3007349" cy="6866467"/>
-            </a:xfrm>
-            <a:custGeom>
-              <a:avLst/>
-              <a:gdLst/>
-              <a:ahLst/>
-              <a:cxnLst/>
-              <a:rect l="l" t="t" r="r" b="b"/>
-              <a:pathLst>
-                <a:path w="3007349" h="6866467">
-                  <a:moveTo>
-                    <a:pt x="2045532" y="0"/>
-                  </a:moveTo>
-                  <a:lnTo>
-                    <a:pt x="3007349" y="0"/>
-                  </a:lnTo>
-                  <a:lnTo>
-                    <a:pt x="3007349" y="6866467"/>
-                  </a:lnTo>
-                  <a:lnTo>
-                    <a:pt x="0" y="6866467"/>
-                  </a:lnTo>
-                  <a:lnTo>
-                    <a:pt x="2045532" y="0"/>
-                  </a:lnTo>
-                  <a:close/>
-                </a:path>
-              </a:pathLst>
-            </a:custGeom>
-            <a:solidFill>
-              <a:schemeClr val="accent1">
-                <a:alpha val="30000"/>
-              </a:schemeClr>
-            </a:solidFill>
-            <a:ln>
-              <a:noFill/>
-            </a:ln>
-            <a:effectLst/>
-          </p:spPr>
-          <p:style>
-            <a:lnRef idx="1">
-              <a:schemeClr val="accent1"/>
-            </a:lnRef>
-            <a:fillRef idx="3">
-              <a:schemeClr val="accent1"/>
-            </a:fillRef>
-            <a:effectRef idx="2">
-              <a:schemeClr val="accent1"/>
-            </a:effectRef>
-            <a:fontRef idx="minor">
-              <a:schemeClr val="lt1"/>
-            </a:fontRef>
-          </p:style>
-        </p:sp>
-        <p:sp>
-          <p:nvSpPr>
-            <p:cNvPr id="13" name="Rectangle 25">
-              <a:extLst>
-                <a:ext uri="{FF2B5EF4-FFF2-40B4-BE49-F238E27FC236}">
-                  <a16:creationId xmlns:a16="http://schemas.microsoft.com/office/drawing/2014/main" id="{244CEE5F-144C-437F-9472-22EE3E3D1C9A}"/>
-                </a:ext>
-                <a:ext uri="{C183D7F6-B498-43B3-948B-1728B52AA6E4}">
-                  <adec:decorative xmlns:adec="http://schemas.microsoft.com/office/drawing/2017/decorative" val="1"/>
-                </a:ext>
-              </a:extLst>
-            </p:cNvPr>
-            <p:cNvSpPr/>
-            <p:nvPr>
-              <p:extLst>
-                <p:ext uri="{386F3935-93C4-4BCD-93E2-E3B085C9AB24}">
-                  <p16:designElem xmlns:p16="http://schemas.microsoft.com/office/powerpoint/2015/main" val="1"/>
-                </p:ext>
-              </p:extLst>
-            </p:nvPr>
-          </p:nvSpPr>
-          <p:spPr>
-            <a:xfrm>
-              <a:off x="9603442" y="-8467"/>
-              <a:ext cx="2588558" cy="6866467"/>
-            </a:xfrm>
-            <a:custGeom>
-              <a:avLst/>
-              <a:gdLst/>
-              <a:ahLst/>
-              <a:cxnLst/>
-              <a:rect l="l" t="t" r="r" b="b"/>
-              <a:pathLst>
-                <a:path w="2573311" h="6866467">
-                  <a:moveTo>
-                    <a:pt x="0" y="0"/>
-                  </a:moveTo>
-                  <a:lnTo>
-                    <a:pt x="2573311" y="0"/>
-                  </a:lnTo>
-                  <a:lnTo>
-                    <a:pt x="2573311" y="6866467"/>
-                  </a:lnTo>
-                  <a:lnTo>
-                    <a:pt x="1202336" y="6866467"/>
-                  </a:lnTo>
-                  <a:lnTo>
-                    <a:pt x="0" y="0"/>
-                  </a:lnTo>
-                  <a:close/>
-                </a:path>
-              </a:pathLst>
-            </a:custGeom>
-            <a:solidFill>
-              <a:schemeClr val="accent1">
-                <a:alpha val="20000"/>
-              </a:schemeClr>
-            </a:solidFill>
-            <a:ln>
-              <a:noFill/>
-            </a:ln>
-            <a:effectLst/>
-          </p:spPr>
-          <p:style>
-            <a:lnRef idx="1">
-              <a:schemeClr val="accent1"/>
-            </a:lnRef>
-            <a:fillRef idx="3">
-              <a:schemeClr val="accent1"/>
-            </a:fillRef>
-            <a:effectRef idx="2">
-              <a:schemeClr val="accent1"/>
-            </a:effectRef>
-            <a:fontRef idx="minor">
-              <a:schemeClr val="lt1"/>
-            </a:fontRef>
-          </p:style>
-        </p:sp>
-        <p:sp>
-          <p:nvSpPr>
-            <p:cNvPr id="14" name="Isosceles Triangle 13">
-              <a:extLst>
-                <a:ext uri="{FF2B5EF4-FFF2-40B4-BE49-F238E27FC236}">
-                  <a16:creationId xmlns:a16="http://schemas.microsoft.com/office/drawing/2014/main" id="{0621BB31-AA71-4E9B-8854-3C62F162FE19}"/>
-                </a:ext>
-                <a:ext uri="{C183D7F6-B498-43B3-948B-1728B52AA6E4}">
-                  <adec:decorative xmlns:adec="http://schemas.microsoft.com/office/drawing/2017/decorative" val="1"/>
-                </a:ext>
-              </a:extLst>
-            </p:cNvPr>
-            <p:cNvSpPr/>
-            <p:nvPr>
-              <p:extLst>
-                <p:ext uri="{386F3935-93C4-4BCD-93E2-E3B085C9AB24}">
-                  <p16:designElem xmlns:p16="http://schemas.microsoft.com/office/powerpoint/2015/main" val="1"/>
-                </p:ext>
-              </p:extLst>
-            </p:nvPr>
-          </p:nvSpPr>
-          <p:spPr>
-            <a:xfrm>
-              <a:off x="8932333" y="3048000"/>
-              <a:ext cx="3259667" cy="3810000"/>
-            </a:xfrm>
-            <a:prstGeom prst="triangle">
-              <a:avLst>
-                <a:gd name="adj" fmla="val 100000"/>
-              </a:avLst>
-            </a:prstGeom>
-            <a:solidFill>
-              <a:schemeClr val="accent2">
-                <a:alpha val="72000"/>
-              </a:schemeClr>
-            </a:solidFill>
-            <a:ln>
-              <a:noFill/>
-            </a:ln>
-            <a:effectLst/>
-          </p:spPr>
-          <p:style>
-            <a:lnRef idx="1">
-              <a:schemeClr val="accent1"/>
-            </a:lnRef>
-            <a:fillRef idx="3">
-              <a:schemeClr val="accent1"/>
-            </a:fillRef>
-            <a:effectRef idx="2">
-              <a:schemeClr val="accent1"/>
-            </a:effectRef>
-            <a:fontRef idx="minor">
-              <a:schemeClr val="lt1"/>
-            </a:fontRef>
-          </p:style>
-        </p:sp>
-        <p:sp>
-          <p:nvSpPr>
-            <p:cNvPr id="15" name="Rectangle 27">
-              <a:extLst>
-                <a:ext uri="{FF2B5EF4-FFF2-40B4-BE49-F238E27FC236}">
-                  <a16:creationId xmlns:a16="http://schemas.microsoft.com/office/drawing/2014/main" id="{5336141D-E3C6-4E7B-8923-B31C3E16F017}"/>
-                </a:ext>
-                <a:ext uri="{C183D7F6-B498-43B3-948B-1728B52AA6E4}">
-                  <adec:decorative xmlns:adec="http://schemas.microsoft.com/office/drawing/2017/decorative" val="1"/>
-                </a:ext>
-              </a:extLst>
-            </p:cNvPr>
-            <p:cNvSpPr/>
-            <p:nvPr>
-              <p:extLst>
-                <p:ext uri="{386F3935-93C4-4BCD-93E2-E3B085C9AB24}">
-                  <p16:designElem xmlns:p16="http://schemas.microsoft.com/office/powerpoint/2015/main" val="1"/>
-                </p:ext>
-              </p:extLst>
-            </p:nvPr>
-          </p:nvSpPr>
-          <p:spPr>
-            <a:xfrm>
-              <a:off x="9334500" y="-8467"/>
-              <a:ext cx="2854326" cy="6866467"/>
-            </a:xfrm>
-            <a:custGeom>
-              <a:avLst/>
-              <a:gdLst/>
-              <a:ahLst/>
-              <a:cxnLst/>
-              <a:rect l="l" t="t" r="r" b="b"/>
-              <a:pathLst>
-                <a:path w="2858013" h="6866467">
-                  <a:moveTo>
-                    <a:pt x="0" y="0"/>
-                  </a:moveTo>
-                  <a:lnTo>
-                    <a:pt x="2858013" y="0"/>
-                  </a:lnTo>
-                  <a:lnTo>
-                    <a:pt x="2858013" y="6866467"/>
-                  </a:lnTo>
-                  <a:lnTo>
-                    <a:pt x="2473942" y="6866467"/>
-                  </a:lnTo>
-                  <a:lnTo>
-                    <a:pt x="0" y="0"/>
-                  </a:lnTo>
-                  <a:close/>
-                </a:path>
-              </a:pathLst>
-            </a:custGeom>
-            <a:solidFill>
-              <a:schemeClr val="accent2">
-                <a:lumMod val="75000"/>
-                <a:alpha val="70000"/>
-              </a:schemeClr>
-            </a:solidFill>
-            <a:ln>
-              <a:noFill/>
-            </a:ln>
-            <a:effectLst/>
-          </p:spPr>
-          <p:style>
-            <a:lnRef idx="1">
-              <a:schemeClr val="accent1"/>
-            </a:lnRef>
-            <a:fillRef idx="3">
-              <a:schemeClr val="accent1"/>
-            </a:fillRef>
-            <a:effectRef idx="2">
-              <a:schemeClr val="accent1"/>
-            </a:effectRef>
-            <a:fontRef idx="minor">
-              <a:schemeClr val="lt1"/>
-            </a:fontRef>
-          </p:style>
-        </p:sp>
-        <p:sp>
-          <p:nvSpPr>
-            <p:cNvPr id="16" name="Rectangle 28">
-              <a:extLst>
-                <a:ext uri="{FF2B5EF4-FFF2-40B4-BE49-F238E27FC236}">
-                  <a16:creationId xmlns:a16="http://schemas.microsoft.com/office/drawing/2014/main" id="{F113BE6F-9D13-4E70-B7AB-C8CC2546ADB7}"/>
-                </a:ext>
-                <a:ext uri="{C183D7F6-B498-43B3-948B-1728B52AA6E4}">
-                  <adec:decorative xmlns:adec="http://schemas.microsoft.com/office/drawing/2017/decorative" val="1"/>
-                </a:ext>
-              </a:extLst>
-            </p:cNvPr>
-            <p:cNvSpPr/>
-            <p:nvPr>
-              <p:extLst>
-                <p:ext uri="{386F3935-93C4-4BCD-93E2-E3B085C9AB24}">
-                  <p16:designElem xmlns:p16="http://schemas.microsoft.com/office/powerpoint/2015/main" val="1"/>
-                </p:ext>
-              </p:extLst>
-            </p:nvPr>
-          </p:nvSpPr>
-          <p:spPr>
-            <a:xfrm>
-              <a:off x="10898730" y="-8467"/>
-              <a:ext cx="1290094" cy="6866467"/>
-            </a:xfrm>
-            <a:custGeom>
-              <a:avLst/>
-              <a:gdLst/>
-              <a:ahLst/>
-              <a:cxnLst/>
-              <a:rect l="l" t="t" r="r" b="b"/>
-              <a:pathLst>
-                <a:path w="1290094" h="6858000">
-                  <a:moveTo>
-                    <a:pt x="1019735" y="0"/>
-                  </a:moveTo>
-                  <a:lnTo>
-                    <a:pt x="1290094" y="0"/>
-                  </a:lnTo>
-                  <a:lnTo>
-                    <a:pt x="1290094" y="6858000"/>
-                  </a:lnTo>
-                  <a:lnTo>
-                    <a:pt x="0" y="6858000"/>
-                  </a:lnTo>
-                  <a:lnTo>
-                    <a:pt x="1019735" y="0"/>
-                  </a:lnTo>
-                  <a:close/>
-                </a:path>
-              </a:pathLst>
-            </a:custGeom>
-            <a:solidFill>
-              <a:schemeClr val="accent1">
-                <a:lumMod val="60000"/>
-                <a:lumOff val="40000"/>
-                <a:alpha val="70000"/>
-              </a:schemeClr>
-            </a:solidFill>
-            <a:ln>
-              <a:noFill/>
-            </a:ln>
-            <a:effectLst/>
-          </p:spPr>
-          <p:style>
-            <a:lnRef idx="1">
-              <a:schemeClr val="accent1"/>
-            </a:lnRef>
-            <a:fillRef idx="3">
-              <a:schemeClr val="accent1"/>
-            </a:fillRef>
-            <a:effectRef idx="2">
-              <a:schemeClr val="accent1"/>
-            </a:effectRef>
-            <a:fontRef idx="minor">
-              <a:schemeClr val="lt1"/>
-            </a:fontRef>
-          </p:style>
-        </p:sp>
-        <p:sp>
-          <p:nvSpPr>
-            <p:cNvPr id="17" name="Rectangle 29">
-              <a:extLst>
-                <a:ext uri="{FF2B5EF4-FFF2-40B4-BE49-F238E27FC236}">
-                  <a16:creationId xmlns:a16="http://schemas.microsoft.com/office/drawing/2014/main" id="{FBEB82C3-C636-4A90-B9A5-905EC38E01B3}"/>
-                </a:ext>
-                <a:ext uri="{C183D7F6-B498-43B3-948B-1728B52AA6E4}">
-                  <adec:decorative xmlns:adec="http://schemas.microsoft.com/office/drawing/2017/decorative" val="1"/>
-                </a:ext>
-              </a:extLst>
-            </p:cNvPr>
-            <p:cNvSpPr/>
-            <p:nvPr>
-              <p:extLst>
-                <p:ext uri="{386F3935-93C4-4BCD-93E2-E3B085C9AB24}">
-                  <p16:designElem xmlns:p16="http://schemas.microsoft.com/office/powerpoint/2015/main" val="1"/>
-                </p:ext>
-              </p:extLst>
-            </p:nvPr>
-          </p:nvSpPr>
-          <p:spPr>
-            <a:xfrm>
-              <a:off x="10938999" y="-8467"/>
-              <a:ext cx="1249825" cy="6866467"/>
-            </a:xfrm>
-            <a:custGeom>
-              <a:avLst/>
-              <a:gdLst/>
-              <a:ahLst/>
-              <a:cxnLst/>
-              <a:rect l="l" t="t" r="r" b="b"/>
-              <a:pathLst>
-                <a:path w="1249825" h="6858000">
-                  <a:moveTo>
-                    <a:pt x="0" y="0"/>
-                  </a:moveTo>
-                  <a:lnTo>
-                    <a:pt x="1249825" y="0"/>
-                  </a:lnTo>
-                  <a:lnTo>
-                    <a:pt x="1249825" y="6858000"/>
-                  </a:lnTo>
-                  <a:lnTo>
-                    <a:pt x="1109382" y="6858000"/>
-                  </a:lnTo>
-                  <a:lnTo>
-                    <a:pt x="0" y="0"/>
-                  </a:lnTo>
-                  <a:close/>
-                </a:path>
-              </a:pathLst>
-            </a:custGeom>
-            <a:solidFill>
-              <a:schemeClr val="accent1">
-                <a:alpha val="65000"/>
-              </a:schemeClr>
-            </a:solidFill>
-            <a:ln>
-              <a:noFill/>
-            </a:ln>
-            <a:effectLst/>
-          </p:spPr>
-          <p:style>
-            <a:lnRef idx="1">
-              <a:schemeClr val="accent1"/>
-            </a:lnRef>
-            <a:fillRef idx="3">
-              <a:schemeClr val="accent1"/>
-            </a:fillRef>
-            <a:effectRef idx="2">
-              <a:schemeClr val="accent1"/>
-            </a:effectRef>
-            <a:fontRef idx="minor">
-              <a:schemeClr val="lt1"/>
-            </a:fontRef>
-          </p:style>
-        </p:sp>
-        <p:sp>
-          <p:nvSpPr>
-            <p:cNvPr id="18" name="Isosceles Triangle 17">
-              <a:extLst>
-                <a:ext uri="{FF2B5EF4-FFF2-40B4-BE49-F238E27FC236}">
-                  <a16:creationId xmlns:a16="http://schemas.microsoft.com/office/drawing/2014/main" id="{646B4C4A-5A81-43CF-93ED-5FA59D5BE763}"/>
-                </a:ext>
-                <a:ext uri="{C183D7F6-B498-43B3-948B-1728B52AA6E4}">
-                  <adec:decorative xmlns:adec="http://schemas.microsoft.com/office/drawing/2017/decorative" val="1"/>
-                </a:ext>
-              </a:extLst>
-            </p:cNvPr>
-            <p:cNvSpPr/>
-            <p:nvPr>
-              <p:extLst>
-                <p:ext uri="{386F3935-93C4-4BCD-93E2-E3B085C9AB24}">
-                  <p16:designElem xmlns:p16="http://schemas.microsoft.com/office/powerpoint/2015/main" val="1"/>
-                </p:ext>
-              </p:extLst>
-            </p:nvPr>
-          </p:nvSpPr>
-          <p:spPr>
-            <a:xfrm>
-              <a:off x="10371666" y="3589867"/>
-              <a:ext cx="1817159" cy="3268133"/>
-            </a:xfrm>
-            <a:prstGeom prst="triangle">
-              <a:avLst>
-                <a:gd name="adj" fmla="val 100000"/>
-              </a:avLst>
-            </a:prstGeom>
-            <a:solidFill>
-              <a:schemeClr val="accent1">
-                <a:alpha val="80000"/>
-              </a:schemeClr>
-            </a:solidFill>
-            <a:ln>
-              <a:noFill/>
-            </a:ln>
-            <a:effectLst/>
-          </p:spPr>
-          <p:style>
-            <a:lnRef idx="1">
-              <a:schemeClr val="accent1"/>
-            </a:lnRef>
-            <a:fillRef idx="3">
-              <a:schemeClr val="accent1"/>
-            </a:fillRef>
-            <a:effectRef idx="2">
-              <a:schemeClr val="accent1"/>
-            </a:effectRef>
-            <a:fontRef idx="minor">
-              <a:schemeClr val="lt1"/>
-            </a:fontRef>
-          </p:style>
-        </p:sp>
-        <p:sp>
-          <p:nvSpPr>
-            <p:cNvPr id="19" name="Isosceles Triangle 18">
-              <a:extLst>
-                <a:ext uri="{FF2B5EF4-FFF2-40B4-BE49-F238E27FC236}">
-                  <a16:creationId xmlns:a16="http://schemas.microsoft.com/office/drawing/2014/main" id="{C3715C1A-EBA1-41A6-AC20-D6A7C48717B4}"/>
-                </a:ext>
-                <a:ext uri="{C183D7F6-B498-43B3-948B-1728B52AA6E4}">
-                  <adec:decorative xmlns:adec="http://schemas.microsoft.com/office/drawing/2017/decorative" val="1"/>
-                </a:ext>
-              </a:extLst>
-            </p:cNvPr>
-            <p:cNvSpPr/>
-            <p:nvPr>
-              <p:extLst>
-                <p:ext uri="{386F3935-93C4-4BCD-93E2-E3B085C9AB24}">
-                  <p16:designElem xmlns:p16="http://schemas.microsoft.com/office/powerpoint/2015/main" val="1"/>
-                </p:ext>
-              </p:extLst>
-            </p:nvPr>
-          </p:nvSpPr>
-          <p:spPr>
-            <a:xfrm rot="10800000">
-              <a:off x="0" y="0"/>
-              <a:ext cx="842596" cy="5666154"/>
-            </a:xfrm>
-            <a:prstGeom prst="triangle">
-              <a:avLst>
-                <a:gd name="adj" fmla="val 100000"/>
-              </a:avLst>
-            </a:prstGeom>
-            <a:solidFill>
-              <a:schemeClr val="accent1">
-                <a:alpha val="85000"/>
-              </a:schemeClr>
-            </a:solidFill>
-            <a:ln>
-              <a:noFill/>
-            </a:ln>
-            <a:effectLst/>
-          </p:spPr>
-          <p:style>
-            <a:lnRef idx="1">
-              <a:schemeClr val="accent1"/>
-            </a:lnRef>
-            <a:fillRef idx="3">
-              <a:schemeClr val="accent1"/>
-            </a:fillRef>
-            <a:effectRef idx="2">
-              <a:schemeClr val="accent1"/>
-            </a:effectRef>
-            <a:fontRef idx="minor">
-              <a:schemeClr val="lt1"/>
-            </a:fontRef>
-          </p:style>
-        </p:sp>
-      </p:grpSp>
       <p:sp>
         <p:nvSpPr>
           <p:cNvPr id="2" name="Title 1">
@@ -16818,64 +14415,6 @@
             </a:r>
           </a:p>
         </p:txBody>
-      </p:sp>
-      <p:sp>
-        <p:nvSpPr>
-          <p:cNvPr id="21" name="Isosceles Triangle 20">
-            <a:extLst>
-              <a:ext uri="{FF2B5EF4-FFF2-40B4-BE49-F238E27FC236}">
-                <a16:creationId xmlns:a16="http://schemas.microsoft.com/office/drawing/2014/main" id="{03D271DD-C9EA-4985-BA0C-037A88FA3040}"/>
-              </a:ext>
-              <a:ext uri="{C183D7F6-B498-43B3-948B-1728B52AA6E4}">
-                <adec:decorative xmlns:adec="http://schemas.microsoft.com/office/drawing/2017/decorative" val="1"/>
-              </a:ext>
-            </a:extLst>
-          </p:cNvPr>
-          <p:cNvSpPr>
-            <a:spLocks noGrp="1" noRot="1" noChangeAspect="1" noMove="1" noResize="1" noEditPoints="1" noAdjustHandles="1" noChangeArrowheads="1" noChangeShapeType="1" noTextEdit="1"/>
-          </p:cNvSpPr>
-          <p:nvPr>
-            <p:extLst>
-              <p:ext uri="{386F3935-93C4-4BCD-93E2-E3B085C9AB24}">
-                <p16:designElem xmlns:p16="http://schemas.microsoft.com/office/powerpoint/2015/main" val="1"/>
-              </p:ext>
-            </p:extLst>
-          </p:nvPr>
-        </p:nvSpPr>
-        <p:spPr>
-          <a:xfrm rot="10800000">
-            <a:off x="3174" y="12700"/>
-            <a:ext cx="842596" cy="5666154"/>
-          </a:xfrm>
-          <a:prstGeom prst="triangle">
-            <a:avLst>
-              <a:gd name="adj" fmla="val 100000"/>
-            </a:avLst>
-          </a:prstGeom>
-          <a:solidFill>
-            <a:schemeClr val="accent1">
-              <a:alpha val="85000"/>
-            </a:schemeClr>
-          </a:solidFill>
-          <a:ln>
-            <a:noFill/>
-          </a:ln>
-          <a:effectLst/>
-        </p:spPr>
-        <p:style>
-          <a:lnRef idx="1">
-            <a:schemeClr val="accent1"/>
-          </a:lnRef>
-          <a:fillRef idx="3">
-            <a:schemeClr val="accent1"/>
-          </a:fillRef>
-          <a:effectRef idx="2">
-            <a:schemeClr val="accent1"/>
-          </a:effectRef>
-          <a:fontRef idx="minor">
-            <a:schemeClr val="lt1"/>
-          </a:fontRef>
-        </p:style>
       </p:sp>
       <p:pic>
         <p:nvPicPr>
